--- a/design/Do It Tomorrow design.pptx
+++ b/design/Do It Tomorrow design.pptx
@@ -4,14 +4,20 @@
   <p:sldMasterIdLst>
     <p:sldMasterId id="2147483660" r:id="rId1"/>
   </p:sldMasterIdLst>
+  <p:notesMasterIdLst>
+    <p:notesMasterId r:id="rId12"/>
+  </p:notesMasterIdLst>
   <p:sldIdLst>
     <p:sldId id="258" r:id="rId2"/>
-    <p:sldId id="259" r:id="rId3"/>
-    <p:sldId id="260" r:id="rId4"/>
-    <p:sldId id="261" r:id="rId5"/>
-    <p:sldId id="262" r:id="rId6"/>
-    <p:sldId id="263" r:id="rId7"/>
-    <p:sldId id="264" r:id="rId8"/>
+    <p:sldId id="266" r:id="rId3"/>
+    <p:sldId id="259" r:id="rId4"/>
+    <p:sldId id="265" r:id="rId5"/>
+    <p:sldId id="260" r:id="rId6"/>
+    <p:sldId id="261" r:id="rId7"/>
+    <p:sldId id="262" r:id="rId8"/>
+    <p:sldId id="263" r:id="rId9"/>
+    <p:sldId id="264" r:id="rId10"/>
+    <p:sldId id="267" r:id="rId11"/>
   </p:sldIdLst>
   <p:sldSz cx="9144000" cy="6858000" type="screen4x3"/>
   <p:notesSz cx="6858000" cy="9144000"/>
@@ -113,6 +119,1184 @@
 </p:presentation>
 </file>
 
+<file path=ppt/notesMasters/notesMaster1.xml><?xml version="1.0" encoding="utf-8"?>
+<p:notesMaster xmlns:a="http://schemas.openxmlformats.org/drawingml/2006/main" xmlns:r="http://schemas.openxmlformats.org/officeDocument/2006/relationships" xmlns:p="http://schemas.openxmlformats.org/presentationml/2006/main">
+  <p:cSld>
+    <p:bg>
+      <p:bgRef idx="1001">
+        <a:schemeClr val="bg1"/>
+      </p:bgRef>
+    </p:bg>
+    <p:spTree>
+      <p:nvGrpSpPr>
+        <p:cNvPr id="1" name=""/>
+        <p:cNvGrpSpPr/>
+        <p:nvPr/>
+      </p:nvGrpSpPr>
+      <p:grpSpPr>
+        <a:xfrm>
+          <a:off x="0" y="0"/>
+          <a:ext cx="0" cy="0"/>
+          <a:chOff x="0" y="0"/>
+          <a:chExt cx="0" cy="0"/>
+        </a:xfrm>
+      </p:grpSpPr>
+      <p:sp>
+        <p:nvSpPr>
+          <p:cNvPr id="2" name="Header Placeholder 1"/>
+          <p:cNvSpPr>
+            <a:spLocks noGrp="1"/>
+          </p:cNvSpPr>
+          <p:nvPr>
+            <p:ph type="hdr" sz="quarter"/>
+          </p:nvPr>
+        </p:nvSpPr>
+        <p:spPr>
+          <a:xfrm>
+            <a:off x="0" y="0"/>
+            <a:ext cx="2971800" cy="457200"/>
+          </a:xfrm>
+          <a:prstGeom prst="rect">
+            <a:avLst/>
+          </a:prstGeom>
+        </p:spPr>
+        <p:txBody>
+          <a:bodyPr vert="horz" lIns="91440" tIns="45720" rIns="91440" bIns="45720" rtlCol="0"/>
+          <a:lstStyle>
+            <a:lvl1pPr algn="l">
+              <a:defRPr sz="1200"/>
+            </a:lvl1pPr>
+          </a:lstStyle>
+          <a:p>
+            <a:endParaRPr lang="en-IE"/>
+          </a:p>
+        </p:txBody>
+      </p:sp>
+      <p:sp>
+        <p:nvSpPr>
+          <p:cNvPr id="3" name="Date Placeholder 2"/>
+          <p:cNvSpPr>
+            <a:spLocks noGrp="1"/>
+          </p:cNvSpPr>
+          <p:nvPr>
+            <p:ph type="dt" idx="1"/>
+          </p:nvPr>
+        </p:nvSpPr>
+        <p:spPr>
+          <a:xfrm>
+            <a:off x="3884613" y="0"/>
+            <a:ext cx="2971800" cy="457200"/>
+          </a:xfrm>
+          <a:prstGeom prst="rect">
+            <a:avLst/>
+          </a:prstGeom>
+        </p:spPr>
+        <p:txBody>
+          <a:bodyPr vert="horz" lIns="91440" tIns="45720" rIns="91440" bIns="45720" rtlCol="0"/>
+          <a:lstStyle>
+            <a:lvl1pPr algn="r">
+              <a:defRPr sz="1200"/>
+            </a:lvl1pPr>
+          </a:lstStyle>
+          <a:p>
+            <a:fld id="{7CABE0DF-14B5-4764-B0ED-0A13DCEFA16E}" type="datetimeFigureOut">
+              <a:rPr lang="en-IE" smtClean="0"/>
+              <a:t>21/02/2013</a:t>
+            </a:fld>
+            <a:endParaRPr lang="en-IE"/>
+          </a:p>
+        </p:txBody>
+      </p:sp>
+      <p:sp>
+        <p:nvSpPr>
+          <p:cNvPr id="4" name="Slide Image Placeholder 3"/>
+          <p:cNvSpPr>
+            <a:spLocks noGrp="1" noRot="1" noChangeAspect="1"/>
+          </p:cNvSpPr>
+          <p:nvPr>
+            <p:ph type="sldImg" idx="2"/>
+          </p:nvPr>
+        </p:nvSpPr>
+        <p:spPr>
+          <a:xfrm>
+            <a:off x="1143000" y="685800"/>
+            <a:ext cx="4572000" cy="3429000"/>
+          </a:xfrm>
+          <a:prstGeom prst="rect">
+            <a:avLst/>
+          </a:prstGeom>
+          <a:noFill/>
+          <a:ln w="12700">
+            <a:solidFill>
+              <a:prstClr val="black"/>
+            </a:solidFill>
+          </a:ln>
+        </p:spPr>
+        <p:txBody>
+          <a:bodyPr vert="horz" lIns="91440" tIns="45720" rIns="91440" bIns="45720" rtlCol="0" anchor="ctr"/>
+          <a:lstStyle/>
+          <a:p>
+            <a:endParaRPr lang="en-IE"/>
+          </a:p>
+        </p:txBody>
+      </p:sp>
+      <p:sp>
+        <p:nvSpPr>
+          <p:cNvPr id="5" name="Notes Placeholder 4"/>
+          <p:cNvSpPr>
+            <a:spLocks noGrp="1"/>
+          </p:cNvSpPr>
+          <p:nvPr>
+            <p:ph type="body" sz="quarter" idx="3"/>
+          </p:nvPr>
+        </p:nvSpPr>
+        <p:spPr>
+          <a:xfrm>
+            <a:off x="685800" y="4343400"/>
+            <a:ext cx="5486400" cy="4114800"/>
+          </a:xfrm>
+          <a:prstGeom prst="rect">
+            <a:avLst/>
+          </a:prstGeom>
+        </p:spPr>
+        <p:txBody>
+          <a:bodyPr vert="horz" lIns="91440" tIns="45720" rIns="91440" bIns="45720" rtlCol="0"/>
+          <a:lstStyle/>
+          <a:p>
+            <a:pPr lvl="0"/>
+            <a:r>
+              <a:rPr lang="en-US" smtClean="0"/>
+              <a:t>Click to edit Master text styles</a:t>
+            </a:r>
+          </a:p>
+          <a:p>
+            <a:pPr lvl="1"/>
+            <a:r>
+              <a:rPr lang="en-US" smtClean="0"/>
+              <a:t>Second level</a:t>
+            </a:r>
+          </a:p>
+          <a:p>
+            <a:pPr lvl="2"/>
+            <a:r>
+              <a:rPr lang="en-US" smtClean="0"/>
+              <a:t>Third level</a:t>
+            </a:r>
+          </a:p>
+          <a:p>
+            <a:pPr lvl="3"/>
+            <a:r>
+              <a:rPr lang="en-US" smtClean="0"/>
+              <a:t>Fourth level</a:t>
+            </a:r>
+          </a:p>
+          <a:p>
+            <a:pPr lvl="4"/>
+            <a:r>
+              <a:rPr lang="en-US" smtClean="0"/>
+              <a:t>Fifth level</a:t>
+            </a:r>
+            <a:endParaRPr lang="en-IE"/>
+          </a:p>
+        </p:txBody>
+      </p:sp>
+      <p:sp>
+        <p:nvSpPr>
+          <p:cNvPr id="6" name="Footer Placeholder 5"/>
+          <p:cNvSpPr>
+            <a:spLocks noGrp="1"/>
+          </p:cNvSpPr>
+          <p:nvPr>
+            <p:ph type="ftr" sz="quarter" idx="4"/>
+          </p:nvPr>
+        </p:nvSpPr>
+        <p:spPr>
+          <a:xfrm>
+            <a:off x="0" y="8685213"/>
+            <a:ext cx="2971800" cy="457200"/>
+          </a:xfrm>
+          <a:prstGeom prst="rect">
+            <a:avLst/>
+          </a:prstGeom>
+        </p:spPr>
+        <p:txBody>
+          <a:bodyPr vert="horz" lIns="91440" tIns="45720" rIns="91440" bIns="45720" rtlCol="0" anchor="b"/>
+          <a:lstStyle>
+            <a:lvl1pPr algn="l">
+              <a:defRPr sz="1200"/>
+            </a:lvl1pPr>
+          </a:lstStyle>
+          <a:p>
+            <a:endParaRPr lang="en-IE"/>
+          </a:p>
+        </p:txBody>
+      </p:sp>
+      <p:sp>
+        <p:nvSpPr>
+          <p:cNvPr id="7" name="Slide Number Placeholder 6"/>
+          <p:cNvSpPr>
+            <a:spLocks noGrp="1"/>
+          </p:cNvSpPr>
+          <p:nvPr>
+            <p:ph type="sldNum" sz="quarter" idx="5"/>
+          </p:nvPr>
+        </p:nvSpPr>
+        <p:spPr>
+          <a:xfrm>
+            <a:off x="3884613" y="8685213"/>
+            <a:ext cx="2971800" cy="457200"/>
+          </a:xfrm>
+          <a:prstGeom prst="rect">
+            <a:avLst/>
+          </a:prstGeom>
+        </p:spPr>
+        <p:txBody>
+          <a:bodyPr vert="horz" lIns="91440" tIns="45720" rIns="91440" bIns="45720" rtlCol="0" anchor="b"/>
+          <a:lstStyle>
+            <a:lvl1pPr algn="r">
+              <a:defRPr sz="1200"/>
+            </a:lvl1pPr>
+          </a:lstStyle>
+          <a:p>
+            <a:fld id="{1B24FBC7-F81E-4CE3-85A8-3C0997F302AF}" type="slidenum">
+              <a:rPr lang="en-IE" smtClean="0"/>
+              <a:t>‹#›</a:t>
+            </a:fld>
+            <a:endParaRPr lang="en-IE"/>
+          </a:p>
+        </p:txBody>
+      </p:sp>
+    </p:spTree>
+    <p:extLst>
+      <p:ext uri="{BB962C8B-B14F-4D97-AF65-F5344CB8AC3E}">
+        <p14:creationId xmlns:p14="http://schemas.microsoft.com/office/powerpoint/2010/main" val="2512200396"/>
+      </p:ext>
+    </p:extLst>
+  </p:cSld>
+  <p:clrMap bg1="lt1" tx1="dk1" bg2="lt2" tx2="dk2" accent1="accent1" accent2="accent2" accent3="accent3" accent4="accent4" accent5="accent5" accent6="accent6" hlink="hlink" folHlink="folHlink"/>
+  <p:notesStyle>
+    <a:lvl1pPr marL="0" algn="l" defTabSz="914400" rtl="0" eaLnBrk="1" latinLnBrk="0" hangingPunct="1">
+      <a:defRPr sz="1200" kern="1200">
+        <a:solidFill>
+          <a:schemeClr val="tx1"/>
+        </a:solidFill>
+        <a:latin typeface="+mn-lt"/>
+        <a:ea typeface="+mn-ea"/>
+        <a:cs typeface="+mn-cs"/>
+      </a:defRPr>
+    </a:lvl1pPr>
+    <a:lvl2pPr marL="457200" algn="l" defTabSz="914400" rtl="0" eaLnBrk="1" latinLnBrk="0" hangingPunct="1">
+      <a:defRPr sz="1200" kern="1200">
+        <a:solidFill>
+          <a:schemeClr val="tx1"/>
+        </a:solidFill>
+        <a:latin typeface="+mn-lt"/>
+        <a:ea typeface="+mn-ea"/>
+        <a:cs typeface="+mn-cs"/>
+      </a:defRPr>
+    </a:lvl2pPr>
+    <a:lvl3pPr marL="914400" algn="l" defTabSz="914400" rtl="0" eaLnBrk="1" latinLnBrk="0" hangingPunct="1">
+      <a:defRPr sz="1200" kern="1200">
+        <a:solidFill>
+          <a:schemeClr val="tx1"/>
+        </a:solidFill>
+        <a:latin typeface="+mn-lt"/>
+        <a:ea typeface="+mn-ea"/>
+        <a:cs typeface="+mn-cs"/>
+      </a:defRPr>
+    </a:lvl3pPr>
+    <a:lvl4pPr marL="1371600" algn="l" defTabSz="914400" rtl="0" eaLnBrk="1" latinLnBrk="0" hangingPunct="1">
+      <a:defRPr sz="1200" kern="1200">
+        <a:solidFill>
+          <a:schemeClr val="tx1"/>
+        </a:solidFill>
+        <a:latin typeface="+mn-lt"/>
+        <a:ea typeface="+mn-ea"/>
+        <a:cs typeface="+mn-cs"/>
+      </a:defRPr>
+    </a:lvl4pPr>
+    <a:lvl5pPr marL="1828800" algn="l" defTabSz="914400" rtl="0" eaLnBrk="1" latinLnBrk="0" hangingPunct="1">
+      <a:defRPr sz="1200" kern="1200">
+        <a:solidFill>
+          <a:schemeClr val="tx1"/>
+        </a:solidFill>
+        <a:latin typeface="+mn-lt"/>
+        <a:ea typeface="+mn-ea"/>
+        <a:cs typeface="+mn-cs"/>
+      </a:defRPr>
+    </a:lvl5pPr>
+    <a:lvl6pPr marL="2286000" algn="l" defTabSz="914400" rtl="0" eaLnBrk="1" latinLnBrk="0" hangingPunct="1">
+      <a:defRPr sz="1200" kern="1200">
+        <a:solidFill>
+          <a:schemeClr val="tx1"/>
+        </a:solidFill>
+        <a:latin typeface="+mn-lt"/>
+        <a:ea typeface="+mn-ea"/>
+        <a:cs typeface="+mn-cs"/>
+      </a:defRPr>
+    </a:lvl6pPr>
+    <a:lvl7pPr marL="2743200" algn="l" defTabSz="914400" rtl="0" eaLnBrk="1" latinLnBrk="0" hangingPunct="1">
+      <a:defRPr sz="1200" kern="1200">
+        <a:solidFill>
+          <a:schemeClr val="tx1"/>
+        </a:solidFill>
+        <a:latin typeface="+mn-lt"/>
+        <a:ea typeface="+mn-ea"/>
+        <a:cs typeface="+mn-cs"/>
+      </a:defRPr>
+    </a:lvl7pPr>
+    <a:lvl8pPr marL="3200400" algn="l" defTabSz="914400" rtl="0" eaLnBrk="1" latinLnBrk="0" hangingPunct="1">
+      <a:defRPr sz="1200" kern="1200">
+        <a:solidFill>
+          <a:schemeClr val="tx1"/>
+        </a:solidFill>
+        <a:latin typeface="+mn-lt"/>
+        <a:ea typeface="+mn-ea"/>
+        <a:cs typeface="+mn-cs"/>
+      </a:defRPr>
+    </a:lvl8pPr>
+    <a:lvl9pPr marL="3657600" algn="l" defTabSz="914400" rtl="0" eaLnBrk="1" latinLnBrk="0" hangingPunct="1">
+      <a:defRPr sz="1200" kern="1200">
+        <a:solidFill>
+          <a:schemeClr val="tx1"/>
+        </a:solidFill>
+        <a:latin typeface="+mn-lt"/>
+        <a:ea typeface="+mn-ea"/>
+        <a:cs typeface="+mn-cs"/>
+      </a:defRPr>
+    </a:lvl9pPr>
+  </p:notesStyle>
+</p:notesMaster>
+</file>
+
+<file path=ppt/notesSlides/notesSlide1.xml><?xml version="1.0" encoding="utf-8"?>
+<p:notes xmlns:a="http://schemas.openxmlformats.org/drawingml/2006/main" xmlns:r="http://schemas.openxmlformats.org/officeDocument/2006/relationships" xmlns:p="http://schemas.openxmlformats.org/presentationml/2006/main">
+  <p:cSld>
+    <p:spTree>
+      <p:nvGrpSpPr>
+        <p:cNvPr id="1" name=""/>
+        <p:cNvGrpSpPr/>
+        <p:nvPr/>
+      </p:nvGrpSpPr>
+      <p:grpSpPr>
+        <a:xfrm>
+          <a:off x="0" y="0"/>
+          <a:ext cx="0" cy="0"/>
+          <a:chOff x="0" y="0"/>
+          <a:chExt cx="0" cy="0"/>
+        </a:xfrm>
+      </p:grpSpPr>
+      <p:sp>
+        <p:nvSpPr>
+          <p:cNvPr id="2" name="Slide Image Placeholder 1"/>
+          <p:cNvSpPr>
+            <a:spLocks noGrp="1" noRot="1" noChangeAspect="1"/>
+          </p:cNvSpPr>
+          <p:nvPr>
+            <p:ph type="sldImg"/>
+          </p:nvPr>
+        </p:nvSpPr>
+        <p:spPr/>
+      </p:sp>
+      <p:sp>
+        <p:nvSpPr>
+          <p:cNvPr id="3" name="Notes Placeholder 2"/>
+          <p:cNvSpPr>
+            <a:spLocks noGrp="1"/>
+          </p:cNvSpPr>
+          <p:nvPr>
+            <p:ph type="body" idx="1"/>
+          </p:nvPr>
+        </p:nvSpPr>
+        <p:spPr/>
+        <p:txBody>
+          <a:bodyPr/>
+          <a:lstStyle/>
+          <a:p>
+            <a:r>
+              <a:rPr lang="en-IE" dirty="0" smtClean="0"/>
+              <a:t>Here we will have the player learning the environment.</a:t>
+            </a:r>
+            <a:r>
+              <a:rPr lang="en-IE" baseline="0" dirty="0" smtClean="0"/>
+              <a:t> Learning controls and interacting with indestructible obstacles. Using them as shields to defeat enemy tanks and gain power ups to advance within the game.</a:t>
+            </a:r>
+            <a:endParaRPr lang="en-IE" dirty="0"/>
+          </a:p>
+        </p:txBody>
+      </p:sp>
+      <p:sp>
+        <p:nvSpPr>
+          <p:cNvPr id="4" name="Slide Number Placeholder 3"/>
+          <p:cNvSpPr>
+            <a:spLocks noGrp="1"/>
+          </p:cNvSpPr>
+          <p:nvPr>
+            <p:ph type="sldNum" sz="quarter" idx="10"/>
+          </p:nvPr>
+        </p:nvSpPr>
+        <p:spPr/>
+        <p:txBody>
+          <a:bodyPr/>
+          <a:lstStyle/>
+          <a:p>
+            <a:fld id="{1B24FBC7-F81E-4CE3-85A8-3C0997F302AF}" type="slidenum">
+              <a:rPr lang="en-IE" smtClean="0"/>
+              <a:t>2</a:t>
+            </a:fld>
+            <a:endParaRPr lang="en-IE"/>
+          </a:p>
+        </p:txBody>
+      </p:sp>
+    </p:spTree>
+    <p:extLst>
+      <p:ext uri="{BB962C8B-B14F-4D97-AF65-F5344CB8AC3E}">
+        <p14:creationId xmlns:p14="http://schemas.microsoft.com/office/powerpoint/2010/main" val="2897128243"/>
+      </p:ext>
+    </p:extLst>
+  </p:cSld>
+  <p:clrMapOvr>
+    <a:masterClrMapping/>
+  </p:clrMapOvr>
+</p:notes>
+</file>
+
+<file path=ppt/notesSlides/notesSlide2.xml><?xml version="1.0" encoding="utf-8"?>
+<p:notes xmlns:a="http://schemas.openxmlformats.org/drawingml/2006/main" xmlns:r="http://schemas.openxmlformats.org/officeDocument/2006/relationships" xmlns:p="http://schemas.openxmlformats.org/presentationml/2006/main">
+  <p:cSld>
+    <p:spTree>
+      <p:nvGrpSpPr>
+        <p:cNvPr id="1" name=""/>
+        <p:cNvGrpSpPr/>
+        <p:nvPr/>
+      </p:nvGrpSpPr>
+      <p:grpSpPr>
+        <a:xfrm>
+          <a:off x="0" y="0"/>
+          <a:ext cx="0" cy="0"/>
+          <a:chOff x="0" y="0"/>
+          <a:chExt cx="0" cy="0"/>
+        </a:xfrm>
+      </p:grpSpPr>
+      <p:sp>
+        <p:nvSpPr>
+          <p:cNvPr id="2" name="Slide Image Placeholder 1"/>
+          <p:cNvSpPr>
+            <a:spLocks noGrp="1" noRot="1" noChangeAspect="1"/>
+          </p:cNvSpPr>
+          <p:nvPr>
+            <p:ph type="sldImg"/>
+          </p:nvPr>
+        </p:nvSpPr>
+        <p:spPr/>
+      </p:sp>
+      <p:sp>
+        <p:nvSpPr>
+          <p:cNvPr id="3" name="Notes Placeholder 2"/>
+          <p:cNvSpPr>
+            <a:spLocks noGrp="1"/>
+          </p:cNvSpPr>
+          <p:nvPr>
+            <p:ph type="body" idx="1"/>
+          </p:nvPr>
+        </p:nvSpPr>
+        <p:spPr/>
+        <p:txBody>
+          <a:bodyPr/>
+          <a:lstStyle/>
+          <a:p>
+            <a:r>
+              <a:rPr lang="en-IE" dirty="0" smtClean="0"/>
+              <a:t>The user or player will have 2</a:t>
+            </a:r>
+            <a:r>
+              <a:rPr lang="en-IE" baseline="0" dirty="0" smtClean="0"/>
+              <a:t> options when they start the game. To shoot at the enemy &amp; to move the tank and to adjust aim for the tank. We wont have more than one user at a time. </a:t>
+            </a:r>
+            <a:endParaRPr lang="en-IE" dirty="0"/>
+          </a:p>
+        </p:txBody>
+      </p:sp>
+      <p:sp>
+        <p:nvSpPr>
+          <p:cNvPr id="4" name="Slide Number Placeholder 3"/>
+          <p:cNvSpPr>
+            <a:spLocks noGrp="1"/>
+          </p:cNvSpPr>
+          <p:nvPr>
+            <p:ph type="sldNum" sz="quarter" idx="10"/>
+          </p:nvPr>
+        </p:nvSpPr>
+        <p:spPr/>
+        <p:txBody>
+          <a:bodyPr/>
+          <a:lstStyle/>
+          <a:p>
+            <a:fld id="{1B24FBC7-F81E-4CE3-85A8-3C0997F302AF}" type="slidenum">
+              <a:rPr lang="en-IE" smtClean="0"/>
+              <a:t>3</a:t>
+            </a:fld>
+            <a:endParaRPr lang="en-IE"/>
+          </a:p>
+        </p:txBody>
+      </p:sp>
+    </p:spTree>
+    <p:extLst>
+      <p:ext uri="{BB962C8B-B14F-4D97-AF65-F5344CB8AC3E}">
+        <p14:creationId xmlns:p14="http://schemas.microsoft.com/office/powerpoint/2010/main" val="2228517798"/>
+      </p:ext>
+    </p:extLst>
+  </p:cSld>
+  <p:clrMapOvr>
+    <a:masterClrMapping/>
+  </p:clrMapOvr>
+</p:notes>
+</file>
+
+<file path=ppt/notesSlides/notesSlide3.xml><?xml version="1.0" encoding="utf-8"?>
+<p:notes xmlns:a="http://schemas.openxmlformats.org/drawingml/2006/main" xmlns:r="http://schemas.openxmlformats.org/officeDocument/2006/relationships" xmlns:p="http://schemas.openxmlformats.org/presentationml/2006/main">
+  <p:cSld>
+    <p:spTree>
+      <p:nvGrpSpPr>
+        <p:cNvPr id="1" name=""/>
+        <p:cNvGrpSpPr/>
+        <p:nvPr/>
+      </p:nvGrpSpPr>
+      <p:grpSpPr>
+        <a:xfrm>
+          <a:off x="0" y="0"/>
+          <a:ext cx="0" cy="0"/>
+          <a:chOff x="0" y="0"/>
+          <a:chExt cx="0" cy="0"/>
+        </a:xfrm>
+      </p:grpSpPr>
+      <p:sp>
+        <p:nvSpPr>
+          <p:cNvPr id="2" name="Slide Image Placeholder 1"/>
+          <p:cNvSpPr>
+            <a:spLocks noGrp="1" noRot="1" noChangeAspect="1"/>
+          </p:cNvSpPr>
+          <p:nvPr>
+            <p:ph type="sldImg"/>
+          </p:nvPr>
+        </p:nvSpPr>
+        <p:spPr/>
+      </p:sp>
+      <p:sp>
+        <p:nvSpPr>
+          <p:cNvPr id="3" name="Notes Placeholder 2"/>
+          <p:cNvSpPr>
+            <a:spLocks noGrp="1"/>
+          </p:cNvSpPr>
+          <p:nvPr>
+            <p:ph type="body" idx="1"/>
+          </p:nvPr>
+        </p:nvSpPr>
+        <p:spPr/>
+        <p:txBody>
+          <a:bodyPr/>
+          <a:lstStyle/>
+          <a:p>
+            <a:r>
+              <a:rPr lang="en-IE" dirty="0" smtClean="0"/>
+              <a:t>Which design do we think would best suit</a:t>
+            </a:r>
+            <a:r>
+              <a:rPr lang="en-IE" baseline="0" dirty="0" smtClean="0"/>
+              <a:t> a game? It does not have the same cycle as a rental system or a library management system does it? No, a game needs feedback each step of the way. To redefine what works within the game environment and what doesn’t. We don’t always have a specific goal in sight our ideas can be brought upon by our current state of mind and what step we are in.</a:t>
+            </a:r>
+            <a:endParaRPr lang="en-IE" dirty="0"/>
+          </a:p>
+        </p:txBody>
+      </p:sp>
+      <p:sp>
+        <p:nvSpPr>
+          <p:cNvPr id="4" name="Slide Number Placeholder 3"/>
+          <p:cNvSpPr>
+            <a:spLocks noGrp="1"/>
+          </p:cNvSpPr>
+          <p:nvPr>
+            <p:ph type="sldNum" sz="quarter" idx="10"/>
+          </p:nvPr>
+        </p:nvSpPr>
+        <p:spPr/>
+        <p:txBody>
+          <a:bodyPr/>
+          <a:lstStyle/>
+          <a:p>
+            <a:fld id="{1B24FBC7-F81E-4CE3-85A8-3C0997F302AF}" type="slidenum">
+              <a:rPr lang="en-IE" smtClean="0"/>
+              <a:t>4</a:t>
+            </a:fld>
+            <a:endParaRPr lang="en-IE"/>
+          </a:p>
+        </p:txBody>
+      </p:sp>
+    </p:spTree>
+    <p:extLst>
+      <p:ext uri="{BB962C8B-B14F-4D97-AF65-F5344CB8AC3E}">
+        <p14:creationId xmlns:p14="http://schemas.microsoft.com/office/powerpoint/2010/main" val="1451245300"/>
+      </p:ext>
+    </p:extLst>
+  </p:cSld>
+  <p:clrMapOvr>
+    <a:masterClrMapping/>
+  </p:clrMapOvr>
+</p:notes>
+</file>
+
+<file path=ppt/notesSlides/notesSlide4.xml><?xml version="1.0" encoding="utf-8"?>
+<p:notes xmlns:a="http://schemas.openxmlformats.org/drawingml/2006/main" xmlns:r="http://schemas.openxmlformats.org/officeDocument/2006/relationships" xmlns:p="http://schemas.openxmlformats.org/presentationml/2006/main">
+  <p:cSld>
+    <p:spTree>
+      <p:nvGrpSpPr>
+        <p:cNvPr id="1" name=""/>
+        <p:cNvGrpSpPr/>
+        <p:nvPr/>
+      </p:nvGrpSpPr>
+      <p:grpSpPr>
+        <a:xfrm>
+          <a:off x="0" y="0"/>
+          <a:ext cx="0" cy="0"/>
+          <a:chOff x="0" y="0"/>
+          <a:chExt cx="0" cy="0"/>
+        </a:xfrm>
+      </p:grpSpPr>
+      <p:sp>
+        <p:nvSpPr>
+          <p:cNvPr id="2" name="Slide Image Placeholder 1"/>
+          <p:cNvSpPr>
+            <a:spLocks noGrp="1" noRot="1" noChangeAspect="1"/>
+          </p:cNvSpPr>
+          <p:nvPr>
+            <p:ph type="sldImg"/>
+          </p:nvPr>
+        </p:nvSpPr>
+        <p:spPr/>
+      </p:sp>
+      <p:sp>
+        <p:nvSpPr>
+          <p:cNvPr id="3" name="Notes Placeholder 2"/>
+          <p:cNvSpPr>
+            <a:spLocks noGrp="1"/>
+          </p:cNvSpPr>
+          <p:nvPr>
+            <p:ph type="body" idx="1"/>
+          </p:nvPr>
+        </p:nvSpPr>
+        <p:spPr/>
+        <p:txBody>
+          <a:bodyPr/>
+          <a:lstStyle/>
+          <a:p>
+            <a:r>
+              <a:rPr lang="en-IE" dirty="0" smtClean="0"/>
+              <a:t>This will also help</a:t>
+            </a:r>
+            <a:r>
+              <a:rPr lang="en-IE" baseline="0" dirty="0" smtClean="0"/>
+              <a:t> add features gradually to the game. Understanding how things work and why things work we can increase features more and more into the game. </a:t>
+            </a:r>
+            <a:endParaRPr lang="en-IE" dirty="0"/>
+          </a:p>
+        </p:txBody>
+      </p:sp>
+      <p:sp>
+        <p:nvSpPr>
+          <p:cNvPr id="4" name="Slide Number Placeholder 3"/>
+          <p:cNvSpPr>
+            <a:spLocks noGrp="1"/>
+          </p:cNvSpPr>
+          <p:nvPr>
+            <p:ph type="sldNum" sz="quarter" idx="10"/>
+          </p:nvPr>
+        </p:nvSpPr>
+        <p:spPr/>
+        <p:txBody>
+          <a:bodyPr/>
+          <a:lstStyle/>
+          <a:p>
+            <a:fld id="{1B24FBC7-F81E-4CE3-85A8-3C0997F302AF}" type="slidenum">
+              <a:rPr lang="en-IE" smtClean="0"/>
+              <a:t>5</a:t>
+            </a:fld>
+            <a:endParaRPr lang="en-IE"/>
+          </a:p>
+        </p:txBody>
+      </p:sp>
+    </p:spTree>
+    <p:extLst>
+      <p:ext uri="{BB962C8B-B14F-4D97-AF65-F5344CB8AC3E}">
+        <p14:creationId xmlns:p14="http://schemas.microsoft.com/office/powerpoint/2010/main" val="4217433909"/>
+      </p:ext>
+    </p:extLst>
+  </p:cSld>
+  <p:clrMapOvr>
+    <a:masterClrMapping/>
+  </p:clrMapOvr>
+</p:notes>
+</file>
+
+<file path=ppt/notesSlides/notesSlide5.xml><?xml version="1.0" encoding="utf-8"?>
+<p:notes xmlns:a="http://schemas.openxmlformats.org/drawingml/2006/main" xmlns:r="http://schemas.openxmlformats.org/officeDocument/2006/relationships" xmlns:p="http://schemas.openxmlformats.org/presentationml/2006/main">
+  <p:cSld>
+    <p:spTree>
+      <p:nvGrpSpPr>
+        <p:cNvPr id="1" name=""/>
+        <p:cNvGrpSpPr/>
+        <p:nvPr/>
+      </p:nvGrpSpPr>
+      <p:grpSpPr>
+        <a:xfrm>
+          <a:off x="0" y="0"/>
+          <a:ext cx="0" cy="0"/>
+          <a:chOff x="0" y="0"/>
+          <a:chExt cx="0" cy="0"/>
+        </a:xfrm>
+      </p:grpSpPr>
+      <p:sp>
+        <p:nvSpPr>
+          <p:cNvPr id="2" name="Slide Image Placeholder 1"/>
+          <p:cNvSpPr>
+            <a:spLocks noGrp="1" noRot="1" noChangeAspect="1"/>
+          </p:cNvSpPr>
+          <p:nvPr>
+            <p:ph type="sldImg"/>
+          </p:nvPr>
+        </p:nvSpPr>
+        <p:spPr/>
+      </p:sp>
+      <p:sp>
+        <p:nvSpPr>
+          <p:cNvPr id="3" name="Notes Placeholder 2"/>
+          <p:cNvSpPr>
+            <a:spLocks noGrp="1"/>
+          </p:cNvSpPr>
+          <p:nvPr>
+            <p:ph type="body" idx="1"/>
+          </p:nvPr>
+        </p:nvSpPr>
+        <p:spPr/>
+        <p:txBody>
+          <a:bodyPr/>
+          <a:lstStyle/>
+          <a:p>
+            <a:r>
+              <a:rPr lang="en-IE" dirty="0" smtClean="0"/>
+              <a:t>The XNA framework already has a set of classes created for the developer.</a:t>
+            </a:r>
+            <a:r>
+              <a:rPr lang="en-IE" baseline="0" dirty="0" smtClean="0"/>
+              <a:t> So we just need to adapt them to our game. The game has game entities, some which don’t move like an obstacle and some which do. Players and enemies are generalizations of </a:t>
+            </a:r>
+            <a:r>
+              <a:rPr lang="en-IE" baseline="0" dirty="0" err="1" smtClean="0"/>
+              <a:t>moveableEntity</a:t>
+            </a:r>
+            <a:r>
+              <a:rPr lang="en-IE" baseline="0" dirty="0" smtClean="0"/>
+              <a:t>. Also here a player can have one or more bullets fired.</a:t>
+            </a:r>
+            <a:endParaRPr lang="en-IE" dirty="0"/>
+          </a:p>
+        </p:txBody>
+      </p:sp>
+      <p:sp>
+        <p:nvSpPr>
+          <p:cNvPr id="4" name="Slide Number Placeholder 3"/>
+          <p:cNvSpPr>
+            <a:spLocks noGrp="1"/>
+          </p:cNvSpPr>
+          <p:nvPr>
+            <p:ph type="sldNum" sz="quarter" idx="10"/>
+          </p:nvPr>
+        </p:nvSpPr>
+        <p:spPr/>
+        <p:txBody>
+          <a:bodyPr/>
+          <a:lstStyle/>
+          <a:p>
+            <a:fld id="{1B24FBC7-F81E-4CE3-85A8-3C0997F302AF}" type="slidenum">
+              <a:rPr lang="en-IE" smtClean="0"/>
+              <a:t>6</a:t>
+            </a:fld>
+            <a:endParaRPr lang="en-IE"/>
+          </a:p>
+        </p:txBody>
+      </p:sp>
+    </p:spTree>
+    <p:extLst>
+      <p:ext uri="{BB962C8B-B14F-4D97-AF65-F5344CB8AC3E}">
+        <p14:creationId xmlns:p14="http://schemas.microsoft.com/office/powerpoint/2010/main" val="1300767715"/>
+      </p:ext>
+    </p:extLst>
+  </p:cSld>
+  <p:clrMapOvr>
+    <a:masterClrMapping/>
+  </p:clrMapOvr>
+</p:notes>
+</file>
+
+<file path=ppt/notesSlides/notesSlide6.xml><?xml version="1.0" encoding="utf-8"?>
+<p:notes xmlns:a="http://schemas.openxmlformats.org/drawingml/2006/main" xmlns:r="http://schemas.openxmlformats.org/officeDocument/2006/relationships" xmlns:p="http://schemas.openxmlformats.org/presentationml/2006/main">
+  <p:cSld>
+    <p:spTree>
+      <p:nvGrpSpPr>
+        <p:cNvPr id="1" name=""/>
+        <p:cNvGrpSpPr/>
+        <p:nvPr/>
+      </p:nvGrpSpPr>
+      <p:grpSpPr>
+        <a:xfrm>
+          <a:off x="0" y="0"/>
+          <a:ext cx="0" cy="0"/>
+          <a:chOff x="0" y="0"/>
+          <a:chExt cx="0" cy="0"/>
+        </a:xfrm>
+      </p:grpSpPr>
+      <p:sp>
+        <p:nvSpPr>
+          <p:cNvPr id="2" name="Slide Image Placeholder 1"/>
+          <p:cNvSpPr>
+            <a:spLocks noGrp="1" noRot="1" noChangeAspect="1"/>
+          </p:cNvSpPr>
+          <p:nvPr>
+            <p:ph type="sldImg"/>
+          </p:nvPr>
+        </p:nvSpPr>
+        <p:spPr/>
+      </p:sp>
+      <p:sp>
+        <p:nvSpPr>
+          <p:cNvPr id="3" name="Notes Placeholder 2"/>
+          <p:cNvSpPr>
+            <a:spLocks noGrp="1"/>
+          </p:cNvSpPr>
+          <p:nvPr>
+            <p:ph type="body" idx="1"/>
+          </p:nvPr>
+        </p:nvSpPr>
+        <p:spPr/>
+        <p:txBody>
+          <a:bodyPr/>
+          <a:lstStyle/>
+          <a:p>
+            <a:r>
+              <a:rPr lang="en-IE" dirty="0" smtClean="0"/>
+              <a:t>It is difficult</a:t>
+            </a:r>
+            <a:r>
+              <a:rPr lang="en-IE" baseline="0" dirty="0" smtClean="0"/>
+              <a:t> this early to portray how the gameplay will look but we want to keep to the style of the original game. Here is just a simple start screen which could be implemented within the game which will also need an end game and possible option screen or help screen for user controls.</a:t>
+            </a:r>
+            <a:endParaRPr lang="en-IE" dirty="0"/>
+          </a:p>
+        </p:txBody>
+      </p:sp>
+      <p:sp>
+        <p:nvSpPr>
+          <p:cNvPr id="4" name="Slide Number Placeholder 3"/>
+          <p:cNvSpPr>
+            <a:spLocks noGrp="1"/>
+          </p:cNvSpPr>
+          <p:nvPr>
+            <p:ph type="sldNum" sz="quarter" idx="10"/>
+          </p:nvPr>
+        </p:nvSpPr>
+        <p:spPr/>
+        <p:txBody>
+          <a:bodyPr/>
+          <a:lstStyle/>
+          <a:p>
+            <a:fld id="{1B24FBC7-F81E-4CE3-85A8-3C0997F302AF}" type="slidenum">
+              <a:rPr lang="en-IE" smtClean="0"/>
+              <a:t>7</a:t>
+            </a:fld>
+            <a:endParaRPr lang="en-IE"/>
+          </a:p>
+        </p:txBody>
+      </p:sp>
+    </p:spTree>
+    <p:extLst>
+      <p:ext uri="{BB962C8B-B14F-4D97-AF65-F5344CB8AC3E}">
+        <p14:creationId xmlns:p14="http://schemas.microsoft.com/office/powerpoint/2010/main" val="2018594705"/>
+      </p:ext>
+    </p:extLst>
+  </p:cSld>
+  <p:clrMapOvr>
+    <a:masterClrMapping/>
+  </p:clrMapOvr>
+</p:notes>
+</file>
+
+<file path=ppt/notesSlides/notesSlide7.xml><?xml version="1.0" encoding="utf-8"?>
+<p:notes xmlns:a="http://schemas.openxmlformats.org/drawingml/2006/main" xmlns:r="http://schemas.openxmlformats.org/officeDocument/2006/relationships" xmlns:p="http://schemas.openxmlformats.org/presentationml/2006/main">
+  <p:cSld>
+    <p:spTree>
+      <p:nvGrpSpPr>
+        <p:cNvPr id="1" name=""/>
+        <p:cNvGrpSpPr/>
+        <p:nvPr/>
+      </p:nvGrpSpPr>
+      <p:grpSpPr>
+        <a:xfrm>
+          <a:off x="0" y="0"/>
+          <a:ext cx="0" cy="0"/>
+          <a:chOff x="0" y="0"/>
+          <a:chExt cx="0" cy="0"/>
+        </a:xfrm>
+      </p:grpSpPr>
+      <p:sp>
+        <p:nvSpPr>
+          <p:cNvPr id="2" name="Slide Image Placeholder 1"/>
+          <p:cNvSpPr>
+            <a:spLocks noGrp="1" noRot="1" noChangeAspect="1"/>
+          </p:cNvSpPr>
+          <p:nvPr>
+            <p:ph type="sldImg"/>
+          </p:nvPr>
+        </p:nvSpPr>
+        <p:spPr/>
+      </p:sp>
+      <p:sp>
+        <p:nvSpPr>
+          <p:cNvPr id="3" name="Notes Placeholder 2"/>
+          <p:cNvSpPr>
+            <a:spLocks noGrp="1"/>
+          </p:cNvSpPr>
+          <p:nvPr>
+            <p:ph type="body" idx="1"/>
+          </p:nvPr>
+        </p:nvSpPr>
+        <p:spPr/>
+        <p:txBody>
+          <a:bodyPr/>
+          <a:lstStyle/>
+          <a:p>
+            <a:r>
+              <a:rPr lang="en-IE" dirty="0" smtClean="0"/>
+              <a:t>The methodology we decided to use was Scrum. This is an agile development method which depends on feedback and testing</a:t>
+            </a:r>
+            <a:r>
+              <a:rPr lang="en-IE" baseline="0" dirty="0" smtClean="0"/>
+              <a:t> to redefine the game and increase the amount of features we can incorporate. It is also difficult to plan ahead for the design of the game when we have little knowledge about problems we will face in a the environment.</a:t>
+            </a:r>
+            <a:endParaRPr lang="en-IE" dirty="0"/>
+          </a:p>
+        </p:txBody>
+      </p:sp>
+      <p:sp>
+        <p:nvSpPr>
+          <p:cNvPr id="4" name="Slide Number Placeholder 3"/>
+          <p:cNvSpPr>
+            <a:spLocks noGrp="1"/>
+          </p:cNvSpPr>
+          <p:nvPr>
+            <p:ph type="sldNum" sz="quarter" idx="10"/>
+          </p:nvPr>
+        </p:nvSpPr>
+        <p:spPr/>
+        <p:txBody>
+          <a:bodyPr/>
+          <a:lstStyle/>
+          <a:p>
+            <a:fld id="{1B24FBC7-F81E-4CE3-85A8-3C0997F302AF}" type="slidenum">
+              <a:rPr lang="en-IE" smtClean="0"/>
+              <a:t>8</a:t>
+            </a:fld>
+            <a:endParaRPr lang="en-IE"/>
+          </a:p>
+        </p:txBody>
+      </p:sp>
+    </p:spTree>
+    <p:extLst>
+      <p:ext uri="{BB962C8B-B14F-4D97-AF65-F5344CB8AC3E}">
+        <p14:creationId xmlns:p14="http://schemas.microsoft.com/office/powerpoint/2010/main" val="441765683"/>
+      </p:ext>
+    </p:extLst>
+  </p:cSld>
+  <p:clrMapOvr>
+    <a:masterClrMapping/>
+  </p:clrMapOvr>
+</p:notes>
+</file>
+
+<file path=ppt/notesSlides/notesSlide8.xml><?xml version="1.0" encoding="utf-8"?>
+<p:notes xmlns:a="http://schemas.openxmlformats.org/drawingml/2006/main" xmlns:r="http://schemas.openxmlformats.org/officeDocument/2006/relationships" xmlns:p="http://schemas.openxmlformats.org/presentationml/2006/main">
+  <p:cSld>
+    <p:spTree>
+      <p:nvGrpSpPr>
+        <p:cNvPr id="1" name=""/>
+        <p:cNvGrpSpPr/>
+        <p:nvPr/>
+      </p:nvGrpSpPr>
+      <p:grpSpPr>
+        <a:xfrm>
+          <a:off x="0" y="0"/>
+          <a:ext cx="0" cy="0"/>
+          <a:chOff x="0" y="0"/>
+          <a:chExt cx="0" cy="0"/>
+        </a:xfrm>
+      </p:grpSpPr>
+      <p:sp>
+        <p:nvSpPr>
+          <p:cNvPr id="2" name="Slide Image Placeholder 1"/>
+          <p:cNvSpPr>
+            <a:spLocks noGrp="1" noRot="1" noChangeAspect="1"/>
+          </p:cNvSpPr>
+          <p:nvPr>
+            <p:ph type="sldImg"/>
+          </p:nvPr>
+        </p:nvSpPr>
+        <p:spPr/>
+      </p:sp>
+      <p:sp>
+        <p:nvSpPr>
+          <p:cNvPr id="3" name="Notes Placeholder 2"/>
+          <p:cNvSpPr>
+            <a:spLocks noGrp="1"/>
+          </p:cNvSpPr>
+          <p:nvPr>
+            <p:ph type="body" idx="1"/>
+          </p:nvPr>
+        </p:nvSpPr>
+        <p:spPr/>
+        <p:txBody>
+          <a:bodyPr/>
+          <a:lstStyle/>
+          <a:p>
+            <a:r>
+              <a:rPr lang="en-IE" dirty="0" smtClean="0"/>
+              <a:t>Here we have a simple diagram to explain the player shooting at an enemy. We</a:t>
+            </a:r>
+            <a:r>
+              <a:rPr lang="en-IE" baseline="0" dirty="0" smtClean="0"/>
+              <a:t> will have to implement a kind of bounding box and attach it to the model to understand when or if a bullet will intersect with an enemy or player. And remove the object according to what collisions occur.</a:t>
+            </a:r>
+            <a:endParaRPr lang="en-IE" dirty="0"/>
+          </a:p>
+        </p:txBody>
+      </p:sp>
+      <p:sp>
+        <p:nvSpPr>
+          <p:cNvPr id="4" name="Slide Number Placeholder 3"/>
+          <p:cNvSpPr>
+            <a:spLocks noGrp="1"/>
+          </p:cNvSpPr>
+          <p:nvPr>
+            <p:ph type="sldNum" sz="quarter" idx="10"/>
+          </p:nvPr>
+        </p:nvSpPr>
+        <p:spPr/>
+        <p:txBody>
+          <a:bodyPr/>
+          <a:lstStyle/>
+          <a:p>
+            <a:fld id="{1B24FBC7-F81E-4CE3-85A8-3C0997F302AF}" type="slidenum">
+              <a:rPr lang="en-IE" smtClean="0"/>
+              <a:t>9</a:t>
+            </a:fld>
+            <a:endParaRPr lang="en-IE"/>
+          </a:p>
+        </p:txBody>
+      </p:sp>
+    </p:spTree>
+    <p:extLst>
+      <p:ext uri="{BB962C8B-B14F-4D97-AF65-F5344CB8AC3E}">
+        <p14:creationId xmlns:p14="http://schemas.microsoft.com/office/powerpoint/2010/main" val="810211811"/>
+      </p:ext>
+    </p:extLst>
+  </p:cSld>
+  <p:clrMapOvr>
+    <a:masterClrMapping/>
+  </p:clrMapOvr>
+</p:notes>
+</file>
+
+<file path=ppt/notesSlides/notesSlide9.xml><?xml version="1.0" encoding="utf-8"?>
+<p:notes xmlns:a="http://schemas.openxmlformats.org/drawingml/2006/main" xmlns:r="http://schemas.openxmlformats.org/officeDocument/2006/relationships" xmlns:p="http://schemas.openxmlformats.org/presentationml/2006/main">
+  <p:cSld>
+    <p:spTree>
+      <p:nvGrpSpPr>
+        <p:cNvPr id="1" name=""/>
+        <p:cNvGrpSpPr/>
+        <p:nvPr/>
+      </p:nvGrpSpPr>
+      <p:grpSpPr>
+        <a:xfrm>
+          <a:off x="0" y="0"/>
+          <a:ext cx="0" cy="0"/>
+          <a:chOff x="0" y="0"/>
+          <a:chExt cx="0" cy="0"/>
+        </a:xfrm>
+      </p:grpSpPr>
+      <p:sp>
+        <p:nvSpPr>
+          <p:cNvPr id="2" name="Slide Image Placeholder 1"/>
+          <p:cNvSpPr>
+            <a:spLocks noGrp="1" noRot="1" noChangeAspect="1"/>
+          </p:cNvSpPr>
+          <p:nvPr>
+            <p:ph type="sldImg"/>
+          </p:nvPr>
+        </p:nvSpPr>
+        <p:spPr/>
+      </p:sp>
+      <p:sp>
+        <p:nvSpPr>
+          <p:cNvPr id="3" name="Notes Placeholder 2"/>
+          <p:cNvSpPr>
+            <a:spLocks noGrp="1"/>
+          </p:cNvSpPr>
+          <p:nvPr>
+            <p:ph type="body" idx="1"/>
+          </p:nvPr>
+        </p:nvSpPr>
+        <p:spPr/>
+        <p:txBody>
+          <a:bodyPr/>
+          <a:lstStyle/>
+          <a:p>
+            <a:endParaRPr lang="en-IE" dirty="0"/>
+          </a:p>
+        </p:txBody>
+      </p:sp>
+      <p:sp>
+        <p:nvSpPr>
+          <p:cNvPr id="4" name="Slide Number Placeholder 3"/>
+          <p:cNvSpPr>
+            <a:spLocks noGrp="1"/>
+          </p:cNvSpPr>
+          <p:nvPr>
+            <p:ph type="sldNum" sz="quarter" idx="10"/>
+          </p:nvPr>
+        </p:nvSpPr>
+        <p:spPr/>
+        <p:txBody>
+          <a:bodyPr/>
+          <a:lstStyle/>
+          <a:p>
+            <a:fld id="{1B24FBC7-F81E-4CE3-85A8-3C0997F302AF}" type="slidenum">
+              <a:rPr lang="en-IE" smtClean="0"/>
+              <a:t>10</a:t>
+            </a:fld>
+            <a:endParaRPr lang="en-IE"/>
+          </a:p>
+        </p:txBody>
+      </p:sp>
+    </p:spTree>
+    <p:extLst>
+      <p:ext uri="{BB962C8B-B14F-4D97-AF65-F5344CB8AC3E}">
+        <p14:creationId xmlns:p14="http://schemas.microsoft.com/office/powerpoint/2010/main" val="622901470"/>
+      </p:ext>
+    </p:extLst>
+  </p:cSld>
+  <p:clrMapOvr>
+    <a:masterClrMapping/>
+  </p:clrMapOvr>
+</p:notes>
+</file>
+
 <file path=ppt/slideLayouts/slideLayout1.xml><?xml version="1.0" encoding="utf-8"?>
 <p:sldLayout xmlns:a="http://schemas.openxmlformats.org/drawingml/2006/main" xmlns:r="http://schemas.openxmlformats.org/officeDocument/2006/relationships" xmlns:p="http://schemas.openxmlformats.org/presentationml/2006/main" showMasterSp="0" type="title" preserve="1">
   <p:cSld name="Title Slide">
@@ -189,7 +1373,7 @@
                 </a:solidFill>
               </a:rPr>
               <a:pPr/>
-              <a:t>20/02/2013</a:t>
+              <a:t>21/02/2013</a:t>
             </a:fld>
             <a:endParaRPr lang="en-IE">
               <a:solidFill>
@@ -719,7 +1903,7 @@
                 </a:solidFill>
               </a:rPr>
               <a:pPr/>
-              <a:t>20/02/2013</a:t>
+              <a:t>21/02/2013</a:t>
             </a:fld>
             <a:endParaRPr lang="en-IE">
               <a:solidFill>
@@ -1051,7 +2235,7 @@
                 </a:solidFill>
               </a:rPr>
               <a:pPr/>
-              <a:t>20/02/2013</a:t>
+              <a:t>21/02/2013</a:t>
             </a:fld>
             <a:endParaRPr lang="en-IE">
               <a:solidFill>
@@ -1355,7 +2539,7 @@
                 </a:solidFill>
               </a:rPr>
               <a:pPr/>
-              <a:t>20/02/2013</a:t>
+              <a:t>21/02/2013</a:t>
             </a:fld>
             <a:endParaRPr lang="en-IE">
               <a:solidFill>
@@ -1939,7 +3123,7 @@
                 </a:solidFill>
               </a:rPr>
               <a:pPr/>
-              <a:t>20/02/2013</a:t>
+              <a:t>21/02/2013</a:t>
             </a:fld>
             <a:endParaRPr lang="en-IE">
               <a:solidFill>
@@ -2056,7 +3240,7 @@
                 </a:solidFill>
               </a:rPr>
               <a:pPr/>
-              <a:t>20/02/2013</a:t>
+              <a:t>21/02/2013</a:t>
             </a:fld>
             <a:endParaRPr lang="en-IE">
               <a:solidFill>
@@ -2783,7 +3967,7 @@
                 </a:solidFill>
               </a:rPr>
               <a:pPr/>
-              <a:t>20/02/2013</a:t>
+              <a:t>21/02/2013</a:t>
             </a:fld>
             <a:endParaRPr lang="en-IE">
               <a:solidFill>
@@ -3053,7 +4237,7 @@
                 </a:solidFill>
               </a:rPr>
               <a:pPr/>
-              <a:t>20/02/2013</a:t>
+              <a:t>21/02/2013</a:t>
             </a:fld>
             <a:endParaRPr lang="en-IE">
               <a:solidFill>
@@ -3300,7 +4484,7 @@
                 </a:solidFill>
               </a:rPr>
               <a:pPr/>
-              <a:t>20/02/2013</a:t>
+              <a:t>21/02/2013</a:t>
             </a:fld>
             <a:endParaRPr lang="en-IE">
               <a:solidFill>
@@ -3601,7 +4785,7 @@
                 </a:solidFill>
               </a:rPr>
               <a:pPr/>
-              <a:t>20/02/2013</a:t>
+              <a:t>21/02/2013</a:t>
             </a:fld>
             <a:endParaRPr lang="en-IE">
               <a:solidFill>
@@ -3914,7 +5098,7 @@
                 </a:solidFill>
               </a:rPr>
               <a:pPr/>
-              <a:t>20/02/2013</a:t>
+              <a:t>21/02/2013</a:t>
             </a:fld>
             <a:endParaRPr lang="en-IE">
               <a:solidFill>
@@ -4213,7 +5397,7 @@
                 </a:solidFill>
               </a:rPr>
               <a:pPr/>
-              <a:t>20/02/2013</a:t>
+              <a:t>21/02/2013</a:t>
             </a:fld>
             <a:endParaRPr lang="en-IE">
               <a:solidFill>
@@ -4926,6 +6110,131 @@
   <p:clrMapOvr>
     <a:masterClrMapping/>
   </p:clrMapOvr>
+  <p:timing>
+    <p:tnLst>
+      <p:par>
+        <p:cTn id="1" dur="indefinite" restart="never" nodeType="tmRoot"/>
+      </p:par>
+    </p:tnLst>
+  </p:timing>
+</p:sld>
+</file>
+
+<file path=ppt/slides/slide10.xml><?xml version="1.0" encoding="utf-8"?>
+<p:sld xmlns:a="http://schemas.openxmlformats.org/drawingml/2006/main" xmlns:r="http://schemas.openxmlformats.org/officeDocument/2006/relationships" xmlns:p="http://schemas.openxmlformats.org/presentationml/2006/main">
+  <p:cSld>
+    <p:spTree>
+      <p:nvGrpSpPr>
+        <p:cNvPr id="1" name=""/>
+        <p:cNvGrpSpPr/>
+        <p:nvPr/>
+      </p:nvGrpSpPr>
+      <p:grpSpPr>
+        <a:xfrm>
+          <a:off x="0" y="0"/>
+          <a:ext cx="0" cy="0"/>
+          <a:chOff x="0" y="0"/>
+          <a:chExt cx="0" cy="0"/>
+        </a:xfrm>
+      </p:grpSpPr>
+      <p:sp>
+        <p:nvSpPr>
+          <p:cNvPr id="2" name="Content Placeholder 1"/>
+          <p:cNvSpPr>
+            <a:spLocks noGrp="1"/>
+          </p:cNvSpPr>
+          <p:nvPr>
+            <p:ph idx="1"/>
+          </p:nvPr>
+        </p:nvSpPr>
+        <p:spPr/>
+        <p:txBody>
+          <a:bodyPr>
+            <a:normAutofit lnSpcReduction="10000"/>
+          </a:bodyPr>
+          <a:lstStyle/>
+          <a:p>
+            <a:r>
+              <a:rPr lang="en-IE" dirty="0" smtClean="0"/>
+              <a:t>How would you implement controls?</a:t>
+            </a:r>
+            <a:br>
+              <a:rPr lang="en-IE" dirty="0" smtClean="0"/>
+            </a:br>
+            <a:r>
+              <a:rPr lang="en-IE" dirty="0" smtClean="0"/>
+              <a:t>Plausible solution using the Kinect after keyboard implementation.</a:t>
+            </a:r>
+            <a:br>
+              <a:rPr lang="en-IE" dirty="0" smtClean="0"/>
+            </a:br>
+            <a:endParaRPr lang="en-IE" dirty="0" smtClean="0"/>
+          </a:p>
+          <a:p>
+            <a:r>
+              <a:rPr lang="en-IE" dirty="0" smtClean="0"/>
+              <a:t>What will the models look like?</a:t>
+            </a:r>
+            <a:br>
+              <a:rPr lang="en-IE" dirty="0" smtClean="0"/>
+            </a:br>
+            <a:r>
+              <a:rPr lang="en-IE" dirty="0" smtClean="0"/>
+              <a:t>The models will be box shaped tanks with textures rendered onto them.</a:t>
+            </a:r>
+            <a:br>
+              <a:rPr lang="en-IE" dirty="0" smtClean="0"/>
+            </a:br>
+            <a:endParaRPr lang="en-IE" dirty="0" smtClean="0"/>
+          </a:p>
+          <a:p>
+            <a:r>
+              <a:rPr lang="en-IE" dirty="0" smtClean="0"/>
+              <a:t>How is wireframe implemented?</a:t>
+            </a:r>
+            <a:br>
+              <a:rPr lang="en-IE" dirty="0" smtClean="0"/>
+            </a:br>
+            <a:r>
+              <a:rPr lang="en-IE" dirty="0" smtClean="0"/>
+              <a:t>Damage taken by the player tank will cause wireframe viewpoint of environment.</a:t>
+            </a:r>
+          </a:p>
+        </p:txBody>
+      </p:sp>
+      <p:sp>
+        <p:nvSpPr>
+          <p:cNvPr id="3" name="Title 2"/>
+          <p:cNvSpPr>
+            <a:spLocks noGrp="1"/>
+          </p:cNvSpPr>
+          <p:nvPr>
+            <p:ph type="title"/>
+          </p:nvPr>
+        </p:nvSpPr>
+        <p:spPr/>
+        <p:txBody>
+          <a:bodyPr/>
+          <a:lstStyle/>
+          <a:p>
+            <a:r>
+              <a:rPr lang="en-IE" dirty="0" smtClean="0"/>
+              <a:t>Questions?</a:t>
+            </a:r>
+            <a:endParaRPr lang="en-IE" dirty="0"/>
+          </a:p>
+        </p:txBody>
+      </p:sp>
+    </p:spTree>
+    <p:extLst>
+      <p:ext uri="{BB962C8B-B14F-4D97-AF65-F5344CB8AC3E}">
+        <p14:creationId xmlns:p14="http://schemas.microsoft.com/office/powerpoint/2010/main" val="1284889202"/>
+      </p:ext>
+    </p:extLst>
+  </p:cSld>
+  <p:clrMapOvr>
+    <a:masterClrMapping/>
+  </p:clrMapOvr>
 </p:sld>
 </file>
 
@@ -4948,6 +6257,41 @@
       </p:grpSpPr>
       <p:sp>
         <p:nvSpPr>
+          <p:cNvPr id="2" name="Content Placeholder 1"/>
+          <p:cNvSpPr>
+            <a:spLocks noGrp="1"/>
+          </p:cNvSpPr>
+          <p:nvPr>
+            <p:ph idx="1"/>
+          </p:nvPr>
+        </p:nvSpPr>
+        <p:spPr/>
+        <p:txBody>
+          <a:bodyPr/>
+          <a:lstStyle/>
+          <a:p>
+            <a:r>
+              <a:rPr lang="en-IE" dirty="0" smtClean="0"/>
+              <a:t>The player needs to interact with obstacles and remove enemies from the game.</a:t>
+            </a:r>
+          </a:p>
+          <a:p>
+            <a:r>
+              <a:rPr lang="en-IE" dirty="0" smtClean="0"/>
+              <a:t>Acquire an extra life as game bonus.</a:t>
+            </a:r>
+          </a:p>
+          <a:p>
+            <a:r>
+              <a:rPr lang="en-IE" dirty="0" smtClean="0"/>
+              <a:t>Player only has to battle one tank at a time.</a:t>
+            </a:r>
+            <a:endParaRPr lang="en-IE" dirty="0"/>
+          </a:p>
+        </p:txBody>
+      </p:sp>
+      <p:sp>
+        <p:nvSpPr>
           <p:cNvPr id="3" name="Title 2"/>
           <p:cNvSpPr>
             <a:spLocks noGrp="1"/>
@@ -4961,6 +6305,70 @@
           <a:bodyPr/>
           <a:lstStyle/>
           <a:p>
+            <a:r>
+              <a:rPr lang="en-IE" dirty="0" smtClean="0"/>
+              <a:t>Game objective</a:t>
+            </a:r>
+            <a:endParaRPr lang="en-IE" dirty="0"/>
+          </a:p>
+        </p:txBody>
+      </p:sp>
+    </p:spTree>
+    <p:extLst>
+      <p:ext uri="{BB962C8B-B14F-4D97-AF65-F5344CB8AC3E}">
+        <p14:creationId xmlns:p14="http://schemas.microsoft.com/office/powerpoint/2010/main" val="2685671012"/>
+      </p:ext>
+    </p:extLst>
+  </p:cSld>
+  <p:clrMapOvr>
+    <a:masterClrMapping/>
+  </p:clrMapOvr>
+  <p:timing>
+    <p:tnLst>
+      <p:par>
+        <p:cTn id="1" dur="indefinite" restart="never" nodeType="tmRoot"/>
+      </p:par>
+    </p:tnLst>
+  </p:timing>
+</p:sld>
+</file>
+
+<file path=ppt/slides/slide3.xml><?xml version="1.0" encoding="utf-8"?>
+<p:sld xmlns:a="http://schemas.openxmlformats.org/drawingml/2006/main" xmlns:r="http://schemas.openxmlformats.org/officeDocument/2006/relationships" xmlns:p="http://schemas.openxmlformats.org/presentationml/2006/main">
+  <p:cSld>
+    <p:spTree>
+      <p:nvGrpSpPr>
+        <p:cNvPr id="1" name=""/>
+        <p:cNvGrpSpPr/>
+        <p:nvPr/>
+      </p:nvGrpSpPr>
+      <p:grpSpPr>
+        <a:xfrm>
+          <a:off x="0" y="0"/>
+          <a:ext cx="0" cy="0"/>
+          <a:chOff x="0" y="0"/>
+          <a:chExt cx="0" cy="0"/>
+        </a:xfrm>
+      </p:grpSpPr>
+      <p:sp>
+        <p:nvSpPr>
+          <p:cNvPr id="3" name="Title 2"/>
+          <p:cNvSpPr>
+            <a:spLocks noGrp="1"/>
+          </p:cNvSpPr>
+          <p:nvPr>
+            <p:ph type="title"/>
+          </p:nvPr>
+        </p:nvSpPr>
+        <p:spPr/>
+        <p:txBody>
+          <a:bodyPr/>
+          <a:lstStyle/>
+          <a:p>
+            <a:r>
+              <a:rPr lang="en-IE" dirty="0" smtClean="0"/>
+              <a:t>Use case</a:t>
+            </a:r>
             <a:endParaRPr lang="en-IE" dirty="0"/>
           </a:p>
         </p:txBody>
@@ -5003,7 +6411,7 @@
           <p:nvPr/>
         </p:nvPicPr>
         <p:blipFill>
-          <a:blip r:embed="rId2">
+          <a:blip r:embed="rId3">
             <a:extLst>
               <a:ext uri="{28A0092B-C50C-407E-A947-70E740481C1C}">
                 <a14:useLocalDpi xmlns:a14="http://schemas.microsoft.com/office/drawing/2010/main" val="0"/>
@@ -5034,98 +6442,13 @@
   <p:clrMapOvr>
     <a:masterClrMapping/>
   </p:clrMapOvr>
-</p:sld>
-</file>
-
-<file path=ppt/slides/slide3.xml><?xml version="1.0" encoding="utf-8"?>
-<p:sld xmlns:a="http://schemas.openxmlformats.org/drawingml/2006/main" xmlns:r="http://schemas.openxmlformats.org/officeDocument/2006/relationships" xmlns:p="http://schemas.openxmlformats.org/presentationml/2006/main">
-  <p:cSld>
-    <p:spTree>
-      <p:nvGrpSpPr>
-        <p:cNvPr id="1" name=""/>
-        <p:cNvGrpSpPr/>
-        <p:nvPr/>
-      </p:nvGrpSpPr>
-      <p:grpSpPr>
-        <a:xfrm>
-          <a:off x="0" y="0"/>
-          <a:ext cx="0" cy="0"/>
-          <a:chOff x="0" y="0"/>
-          <a:chExt cx="0" cy="0"/>
-        </a:xfrm>
-      </p:grpSpPr>
-      <p:sp>
-        <p:nvSpPr>
-          <p:cNvPr id="2" name="Content Placeholder 1"/>
-          <p:cNvSpPr>
-            <a:spLocks noGrp="1"/>
-          </p:cNvSpPr>
-          <p:nvPr>
-            <p:ph idx="1"/>
-          </p:nvPr>
-        </p:nvSpPr>
-        <p:spPr/>
-        <p:txBody>
-          <a:bodyPr/>
-          <a:lstStyle/>
-          <a:p>
-            <a:r>
-              <a:rPr lang="en-IE" dirty="0" smtClean="0"/>
-              <a:t>We want to </a:t>
-            </a:r>
-            <a:r>
-              <a:rPr lang="en-IE" dirty="0" smtClean="0"/>
-              <a:t>modernize the original </a:t>
-            </a:r>
-            <a:r>
-              <a:rPr lang="en-IE" dirty="0" smtClean="0"/>
-              <a:t>tank game </a:t>
-            </a:r>
-            <a:r>
-              <a:rPr lang="en-IE" dirty="0" err="1" smtClean="0"/>
-              <a:t>Battlezone</a:t>
-            </a:r>
-            <a:r>
-              <a:rPr lang="en-IE" dirty="0" smtClean="0"/>
-              <a:t>. </a:t>
-            </a:r>
-            <a:r>
-              <a:rPr lang="en-IE" dirty="0" smtClean="0"/>
-              <a:t>Using wireframe as additional features and screen cracks to indicate player health. </a:t>
-            </a:r>
-            <a:endParaRPr lang="en-IE" dirty="0"/>
-          </a:p>
-        </p:txBody>
-      </p:sp>
-      <p:sp>
-        <p:nvSpPr>
-          <p:cNvPr id="3" name="Title 2"/>
-          <p:cNvSpPr>
-            <a:spLocks noGrp="1"/>
-          </p:cNvSpPr>
-          <p:nvPr>
-            <p:ph type="title"/>
-          </p:nvPr>
-        </p:nvSpPr>
-        <p:spPr/>
-        <p:txBody>
-          <a:bodyPr/>
-          <a:lstStyle/>
-          <a:p>
-            <a:endParaRPr lang="en-IE"/>
-          </a:p>
-        </p:txBody>
-      </p:sp>
-    </p:spTree>
-    <p:extLst>
-      <p:ext uri="{BB962C8B-B14F-4D97-AF65-F5344CB8AC3E}">
-        <p14:creationId xmlns:p14="http://schemas.microsoft.com/office/powerpoint/2010/main" val="2103199286"/>
-      </p:ext>
-    </p:extLst>
-  </p:cSld>
-  <p:clrMapOvr>
-    <a:masterClrMapping/>
-  </p:clrMapOvr>
+  <p:timing>
+    <p:tnLst>
+      <p:par>
+        <p:cTn id="1" dur="indefinite" restart="never" nodeType="tmRoot"/>
+      </p:par>
+    </p:tnLst>
+  </p:timing>
 </p:sld>
 </file>
 
@@ -5163,6 +6486,274 @@
           <a:p>
             <a:r>
               <a:rPr lang="en-IE" dirty="0" smtClean="0"/>
+              <a:t>Waterfall or STAR design?</a:t>
+            </a:r>
+          </a:p>
+          <a:p>
+            <a:r>
+              <a:rPr lang="en-IE" dirty="0" smtClean="0"/>
+              <a:t>Which will work for the development of a prototype game?</a:t>
+            </a:r>
+          </a:p>
+          <a:p>
+            <a:r>
+              <a:rPr lang="en-IE" dirty="0" smtClean="0"/>
+              <a:t>The answer is SCRUM because it is difficult to plan ahead.</a:t>
+            </a:r>
+            <a:endParaRPr lang="en-IE" dirty="0"/>
+          </a:p>
+        </p:txBody>
+      </p:sp>
+      <p:sp>
+        <p:nvSpPr>
+          <p:cNvPr id="3" name="Title 2"/>
+          <p:cNvSpPr>
+            <a:spLocks noGrp="1"/>
+          </p:cNvSpPr>
+          <p:nvPr>
+            <p:ph type="title"/>
+          </p:nvPr>
+        </p:nvSpPr>
+        <p:spPr/>
+        <p:txBody>
+          <a:bodyPr/>
+          <a:lstStyle/>
+          <a:p>
+            <a:r>
+              <a:rPr lang="en-IE" dirty="0" smtClean="0"/>
+              <a:t>Development process</a:t>
+            </a:r>
+            <a:endParaRPr lang="en-IE" dirty="0"/>
+          </a:p>
+        </p:txBody>
+      </p:sp>
+    </p:spTree>
+    <p:extLst>
+      <p:ext uri="{BB962C8B-B14F-4D97-AF65-F5344CB8AC3E}">
+        <p14:creationId xmlns:p14="http://schemas.microsoft.com/office/powerpoint/2010/main" val="2005553441"/>
+      </p:ext>
+    </p:extLst>
+  </p:cSld>
+  <p:clrMapOvr>
+    <a:masterClrMapping/>
+  </p:clrMapOvr>
+  <p:timing>
+    <p:tnLst>
+      <p:par>
+        <p:cTn id="1" dur="indefinite" restart="never" nodeType="tmRoot"/>
+      </p:par>
+    </p:tnLst>
+  </p:timing>
+</p:sld>
+</file>
+
+<file path=ppt/slides/slide5.xml><?xml version="1.0" encoding="utf-8"?>
+<p:sld xmlns:a="http://schemas.openxmlformats.org/drawingml/2006/main" xmlns:r="http://schemas.openxmlformats.org/officeDocument/2006/relationships" xmlns:p="http://schemas.openxmlformats.org/presentationml/2006/main">
+  <p:cSld>
+    <p:spTree>
+      <p:nvGrpSpPr>
+        <p:cNvPr id="1" name=""/>
+        <p:cNvGrpSpPr/>
+        <p:nvPr/>
+      </p:nvGrpSpPr>
+      <p:grpSpPr>
+        <a:xfrm>
+          <a:off x="0" y="0"/>
+          <a:ext cx="0" cy="0"/>
+          <a:chOff x="0" y="0"/>
+          <a:chExt cx="0" cy="0"/>
+        </a:xfrm>
+      </p:grpSpPr>
+      <p:pic>
+        <p:nvPicPr>
+          <p:cNvPr id="1027" name="Picture 3" descr="E:\TeamProject\Atari_BattleZone_Screenshot.gif"/>
+          <p:cNvPicPr>
+            <a:picLocks noChangeAspect="1" noChangeArrowheads="1"/>
+          </p:cNvPicPr>
+          <p:nvPr/>
+        </p:nvPicPr>
+        <p:blipFill>
+          <a:blip r:embed="rId3">
+            <a:extLst>
+              <a:ext uri="{28A0092B-C50C-407E-A947-70E740481C1C}">
+                <a14:useLocalDpi xmlns:a14="http://schemas.microsoft.com/office/drawing/2010/main" val="0"/>
+              </a:ext>
+            </a:extLst>
+          </a:blip>
+          <a:srcRect/>
+          <a:stretch>
+            <a:fillRect/>
+          </a:stretch>
+        </p:blipFill>
+        <p:spPr bwMode="auto">
+          <a:xfrm>
+            <a:off x="2051720" y="3501008"/>
+            <a:ext cx="4184917" cy="3138688"/>
+          </a:xfrm>
+          <a:prstGeom prst="rect">
+            <a:avLst/>
+          </a:prstGeom>
+          <a:noFill/>
+          <a:extLst>
+            <a:ext uri="{909E8E84-426E-40DD-AFC4-6F175D3DCCD1}">
+              <a14:hiddenFill xmlns:a14="http://schemas.microsoft.com/office/drawing/2010/main">
+                <a:solidFill>
+                  <a:srgbClr val="FFFFFF"/>
+                </a:solidFill>
+              </a14:hiddenFill>
+            </a:ext>
+          </a:extLst>
+        </p:spPr>
+      </p:pic>
+      <p:sp>
+        <p:nvSpPr>
+          <p:cNvPr id="2" name="Content Placeholder 1"/>
+          <p:cNvSpPr>
+            <a:spLocks noGrp="1"/>
+          </p:cNvSpPr>
+          <p:nvPr>
+            <p:ph idx="1"/>
+          </p:nvPr>
+        </p:nvSpPr>
+        <p:spPr/>
+        <p:txBody>
+          <a:bodyPr/>
+          <a:lstStyle/>
+          <a:p>
+            <a:r>
+              <a:rPr lang="en-IE" dirty="0" smtClean="0"/>
+              <a:t>We want to modernize the original tank game </a:t>
+            </a:r>
+            <a:r>
+              <a:rPr lang="en-IE" dirty="0" err="1" smtClean="0"/>
+              <a:t>Battlezone</a:t>
+            </a:r>
+            <a:r>
+              <a:rPr lang="en-IE" dirty="0" smtClean="0"/>
+              <a:t>. Using wireframe as additional features and screen cracks to indicate player health. </a:t>
+            </a:r>
+            <a:endParaRPr lang="en-IE" dirty="0"/>
+          </a:p>
+        </p:txBody>
+      </p:sp>
+      <p:sp>
+        <p:nvSpPr>
+          <p:cNvPr id="3" name="Title 2"/>
+          <p:cNvSpPr>
+            <a:spLocks noGrp="1"/>
+          </p:cNvSpPr>
+          <p:nvPr>
+            <p:ph type="title"/>
+          </p:nvPr>
+        </p:nvSpPr>
+        <p:spPr/>
+        <p:txBody>
+          <a:bodyPr/>
+          <a:lstStyle/>
+          <a:p>
+            <a:r>
+              <a:rPr lang="en-IE" dirty="0" smtClean="0"/>
+              <a:t>Features</a:t>
+            </a:r>
+            <a:endParaRPr lang="en-IE" dirty="0"/>
+          </a:p>
+        </p:txBody>
+      </p:sp>
+      <p:pic>
+        <p:nvPicPr>
+          <p:cNvPr id="1026" name="Picture 2" descr="E:\TeamProject\screencrack.png"/>
+          <p:cNvPicPr>
+            <a:picLocks noChangeAspect="1" noChangeArrowheads="1"/>
+          </p:cNvPicPr>
+          <p:nvPr/>
+        </p:nvPicPr>
+        <p:blipFill>
+          <a:blip r:embed="rId4" cstate="print">
+            <a:extLst>
+              <a:ext uri="{28A0092B-C50C-407E-A947-70E740481C1C}">
+                <a14:useLocalDpi xmlns:a14="http://schemas.microsoft.com/office/drawing/2010/main" val="0"/>
+              </a:ext>
+            </a:extLst>
+          </a:blip>
+          <a:srcRect/>
+          <a:stretch>
+            <a:fillRect/>
+          </a:stretch>
+        </p:blipFill>
+        <p:spPr bwMode="auto">
+          <a:xfrm>
+            <a:off x="2051720" y="3501008"/>
+            <a:ext cx="4184917" cy="3138688"/>
+          </a:xfrm>
+          <a:prstGeom prst="rect">
+            <a:avLst/>
+          </a:prstGeom>
+          <a:noFill/>
+          <a:extLst>
+            <a:ext uri="{909E8E84-426E-40DD-AFC4-6F175D3DCCD1}">
+              <a14:hiddenFill xmlns:a14="http://schemas.microsoft.com/office/drawing/2010/main">
+                <a:solidFill>
+                  <a:srgbClr val="FFFFFF"/>
+                </a:solidFill>
+              </a14:hiddenFill>
+            </a:ext>
+          </a:extLst>
+        </p:spPr>
+      </p:pic>
+    </p:spTree>
+    <p:extLst>
+      <p:ext uri="{BB962C8B-B14F-4D97-AF65-F5344CB8AC3E}">
+        <p14:creationId xmlns:p14="http://schemas.microsoft.com/office/powerpoint/2010/main" val="2103199286"/>
+      </p:ext>
+    </p:extLst>
+  </p:cSld>
+  <p:clrMapOvr>
+    <a:masterClrMapping/>
+  </p:clrMapOvr>
+  <p:timing>
+    <p:tnLst>
+      <p:par>
+        <p:cTn id="1" dur="indefinite" restart="never" nodeType="tmRoot"/>
+      </p:par>
+    </p:tnLst>
+  </p:timing>
+</p:sld>
+</file>
+
+<file path=ppt/slides/slide6.xml><?xml version="1.0" encoding="utf-8"?>
+<p:sld xmlns:a="http://schemas.openxmlformats.org/drawingml/2006/main" xmlns:r="http://schemas.openxmlformats.org/officeDocument/2006/relationships" xmlns:p="http://schemas.openxmlformats.org/presentationml/2006/main">
+  <p:cSld>
+    <p:spTree>
+      <p:nvGrpSpPr>
+        <p:cNvPr id="1" name=""/>
+        <p:cNvGrpSpPr/>
+        <p:nvPr/>
+      </p:nvGrpSpPr>
+      <p:grpSpPr>
+        <a:xfrm>
+          <a:off x="0" y="0"/>
+          <a:ext cx="0" cy="0"/>
+          <a:chOff x="0" y="0"/>
+          <a:chExt cx="0" cy="0"/>
+        </a:xfrm>
+      </p:grpSpPr>
+      <p:sp>
+        <p:nvSpPr>
+          <p:cNvPr id="2" name="Content Placeholder 1"/>
+          <p:cNvSpPr>
+            <a:spLocks noGrp="1"/>
+          </p:cNvSpPr>
+          <p:nvPr>
+            <p:ph idx="1"/>
+          </p:nvPr>
+        </p:nvSpPr>
+        <p:spPr/>
+        <p:txBody>
+          <a:bodyPr/>
+          <a:lstStyle/>
+          <a:p>
+            <a:r>
+              <a:rPr lang="en-IE" dirty="0" smtClean="0"/>
               <a:t>The XNA framework provides us with specific classes like game and game entity.</a:t>
             </a:r>
           </a:p>
@@ -5183,6 +6774,10 @@
           <a:bodyPr/>
           <a:lstStyle/>
           <a:p>
+            <a:r>
+              <a:rPr lang="en-IE" dirty="0" smtClean="0"/>
+              <a:t>Class diagram</a:t>
+            </a:r>
             <a:endParaRPr lang="en-IE" dirty="0"/>
           </a:p>
         </p:txBody>
@@ -5196,7 +6791,7 @@
           <p:nvPr/>
         </p:nvPicPr>
         <p:blipFill>
-          <a:blip r:embed="rId2">
+          <a:blip r:embed="rId3">
             <a:extLst>
               <a:ext uri="{28A0092B-C50C-407E-A947-70E740481C1C}">
                 <a14:useLocalDpi xmlns:a14="http://schemas.microsoft.com/office/drawing/2010/main" val="0"/>
@@ -5238,160 +6833,13 @@
   <p:clrMapOvr>
     <a:masterClrMapping/>
   </p:clrMapOvr>
-</p:sld>
-</file>
-
-<file path=ppt/slides/slide5.xml><?xml version="1.0" encoding="utf-8"?>
-<p:sld xmlns:a="http://schemas.openxmlformats.org/drawingml/2006/main" xmlns:r="http://schemas.openxmlformats.org/officeDocument/2006/relationships" xmlns:p="http://schemas.openxmlformats.org/presentationml/2006/main">
-  <p:cSld>
-    <p:spTree>
-      <p:nvGrpSpPr>
-        <p:cNvPr id="1" name=""/>
-        <p:cNvGrpSpPr/>
-        <p:nvPr/>
-      </p:nvGrpSpPr>
-      <p:grpSpPr>
-        <a:xfrm>
-          <a:off x="0" y="0"/>
-          <a:ext cx="0" cy="0"/>
-          <a:chOff x="0" y="0"/>
-          <a:chExt cx="0" cy="0"/>
-        </a:xfrm>
-      </p:grpSpPr>
-      <p:sp>
-        <p:nvSpPr>
-          <p:cNvPr id="2" name="Content Placeholder 1"/>
-          <p:cNvSpPr>
-            <a:spLocks noGrp="1"/>
-          </p:cNvSpPr>
-          <p:nvPr>
-            <p:ph idx="1"/>
-          </p:nvPr>
-        </p:nvSpPr>
-        <p:spPr/>
-        <p:txBody>
-          <a:bodyPr/>
-          <a:lstStyle/>
-          <a:p>
-            <a:endParaRPr lang="en-IE" dirty="0"/>
-          </a:p>
-        </p:txBody>
-      </p:sp>
-      <p:sp>
-        <p:nvSpPr>
-          <p:cNvPr id="3" name="Title 2"/>
-          <p:cNvSpPr>
-            <a:spLocks noGrp="1"/>
-          </p:cNvSpPr>
-          <p:nvPr>
-            <p:ph type="title"/>
-          </p:nvPr>
-        </p:nvSpPr>
-        <p:spPr/>
-        <p:txBody>
-          <a:bodyPr/>
-          <a:lstStyle/>
-          <a:p>
-            <a:r>
-              <a:rPr lang="en-IE" dirty="0" smtClean="0"/>
-              <a:t>GUI prototype</a:t>
-            </a:r>
-            <a:endParaRPr lang="en-IE" dirty="0"/>
-          </a:p>
-        </p:txBody>
-      </p:sp>
-    </p:spTree>
-    <p:extLst>
-      <p:ext uri="{BB962C8B-B14F-4D97-AF65-F5344CB8AC3E}">
-        <p14:creationId xmlns:p14="http://schemas.microsoft.com/office/powerpoint/2010/main" val="2750464670"/>
-      </p:ext>
-    </p:extLst>
-  </p:cSld>
-  <p:clrMapOvr>
-    <a:masterClrMapping/>
-  </p:clrMapOvr>
-</p:sld>
-</file>
-
-<file path=ppt/slides/slide6.xml><?xml version="1.0" encoding="utf-8"?>
-<p:sld xmlns:a="http://schemas.openxmlformats.org/drawingml/2006/main" xmlns:r="http://schemas.openxmlformats.org/officeDocument/2006/relationships" xmlns:p="http://schemas.openxmlformats.org/presentationml/2006/main">
-  <p:cSld>
-    <p:spTree>
-      <p:nvGrpSpPr>
-        <p:cNvPr id="1" name=""/>
-        <p:cNvGrpSpPr/>
-        <p:nvPr/>
-      </p:nvGrpSpPr>
-      <p:grpSpPr>
-        <a:xfrm>
-          <a:off x="0" y="0"/>
-          <a:ext cx="0" cy="0"/>
-          <a:chOff x="0" y="0"/>
-          <a:chExt cx="0" cy="0"/>
-        </a:xfrm>
-      </p:grpSpPr>
-      <p:sp>
-        <p:nvSpPr>
-          <p:cNvPr id="2" name="Content Placeholder 1"/>
-          <p:cNvSpPr>
-            <a:spLocks noGrp="1"/>
-          </p:cNvSpPr>
-          <p:nvPr>
-            <p:ph idx="1"/>
-          </p:nvPr>
-        </p:nvSpPr>
-        <p:spPr/>
-        <p:txBody>
-          <a:bodyPr/>
-          <a:lstStyle/>
-          <a:p>
-            <a:r>
-              <a:rPr lang="en-IE" dirty="0" smtClean="0"/>
-              <a:t>Blender will be used for the 3d modelling.</a:t>
-            </a:r>
-          </a:p>
-          <a:p>
-            <a:r>
-              <a:rPr lang="en-IE" dirty="0" smtClean="0"/>
-              <a:t>Coding will be delegated between each team member to maximise output.</a:t>
-            </a:r>
-            <a:endParaRPr lang="en-IE" dirty="0"/>
-          </a:p>
-        </p:txBody>
-      </p:sp>
-      <p:sp>
-        <p:nvSpPr>
-          <p:cNvPr id="3" name="Title 2"/>
-          <p:cNvSpPr>
-            <a:spLocks noGrp="1"/>
-          </p:cNvSpPr>
-          <p:nvPr>
-            <p:ph type="title"/>
-          </p:nvPr>
-        </p:nvSpPr>
-        <p:spPr/>
-        <p:txBody>
-          <a:bodyPr/>
-          <a:lstStyle/>
-          <a:p>
-            <a:r>
-              <a:rPr lang="en-IE" dirty="0" smtClean="0"/>
-              <a:t>Development method</a:t>
-            </a:r>
-            <a:endParaRPr lang="en-IE" dirty="0"/>
-          </a:p>
-        </p:txBody>
-      </p:sp>
-    </p:spTree>
-    <p:extLst>
-      <p:ext uri="{BB962C8B-B14F-4D97-AF65-F5344CB8AC3E}">
-        <p14:creationId xmlns:p14="http://schemas.microsoft.com/office/powerpoint/2010/main" val="490592762"/>
-      </p:ext>
-    </p:extLst>
-  </p:cSld>
-  <p:clrMapOvr>
-    <a:masterClrMapping/>
-  </p:clrMapOvr>
+  <p:timing>
+    <p:tnLst>
+      <p:par>
+        <p:cTn id="1" dur="indefinite" restart="never" nodeType="tmRoot"/>
+      </p:par>
+    </p:tnLst>
+  </p:timing>
 </p:sld>
 </file>
 
@@ -5427,6 +6875,230 @@
           <a:bodyPr/>
           <a:lstStyle/>
           <a:p>
+            <a:endParaRPr lang="en-IE" dirty="0"/>
+          </a:p>
+        </p:txBody>
+      </p:sp>
+      <p:sp>
+        <p:nvSpPr>
+          <p:cNvPr id="3" name="Title 2"/>
+          <p:cNvSpPr>
+            <a:spLocks noGrp="1"/>
+          </p:cNvSpPr>
+          <p:nvPr>
+            <p:ph type="title"/>
+          </p:nvPr>
+        </p:nvSpPr>
+        <p:spPr/>
+        <p:txBody>
+          <a:bodyPr/>
+          <a:lstStyle/>
+          <a:p>
+            <a:r>
+              <a:rPr lang="en-IE" dirty="0" smtClean="0"/>
+              <a:t>GUI prototype</a:t>
+            </a:r>
+            <a:endParaRPr lang="en-IE" dirty="0"/>
+          </a:p>
+        </p:txBody>
+      </p:sp>
+      <p:pic>
+        <p:nvPicPr>
+          <p:cNvPr id="1026" name="Picture 2" descr="F:\TeamProject\GUI3.png"/>
+          <p:cNvPicPr>
+            <a:picLocks noChangeAspect="1" noChangeArrowheads="1"/>
+          </p:cNvPicPr>
+          <p:nvPr/>
+        </p:nvPicPr>
+        <p:blipFill>
+          <a:blip r:embed="rId3">
+            <a:extLst>
+              <a:ext uri="{28A0092B-C50C-407E-A947-70E740481C1C}">
+                <a14:useLocalDpi xmlns:a14="http://schemas.microsoft.com/office/drawing/2010/main" val="0"/>
+              </a:ext>
+            </a:extLst>
+          </a:blip>
+          <a:srcRect/>
+          <a:stretch>
+            <a:fillRect/>
+          </a:stretch>
+        </p:blipFill>
+        <p:spPr bwMode="auto">
+          <a:xfrm>
+            <a:off x="1763688" y="2564904"/>
+            <a:ext cx="5904656" cy="3321369"/>
+          </a:xfrm>
+          <a:prstGeom prst="rect">
+            <a:avLst/>
+          </a:prstGeom>
+          <a:noFill/>
+          <a:extLst>
+            <a:ext uri="{909E8E84-426E-40DD-AFC4-6F175D3DCCD1}">
+              <a14:hiddenFill xmlns:a14="http://schemas.microsoft.com/office/drawing/2010/main">
+                <a:solidFill>
+                  <a:srgbClr val="FFFFFF"/>
+                </a:solidFill>
+              </a14:hiddenFill>
+            </a:ext>
+          </a:extLst>
+        </p:spPr>
+      </p:pic>
+    </p:spTree>
+    <p:extLst>
+      <p:ext uri="{BB962C8B-B14F-4D97-AF65-F5344CB8AC3E}">
+        <p14:creationId xmlns:p14="http://schemas.microsoft.com/office/powerpoint/2010/main" val="2750464670"/>
+      </p:ext>
+    </p:extLst>
+  </p:cSld>
+  <p:clrMapOvr>
+    <a:masterClrMapping/>
+  </p:clrMapOvr>
+  <p:timing>
+    <p:tnLst>
+      <p:par>
+        <p:cTn id="1" dur="indefinite" restart="never" nodeType="tmRoot"/>
+      </p:par>
+    </p:tnLst>
+  </p:timing>
+</p:sld>
+</file>
+
+<file path=ppt/slides/slide8.xml><?xml version="1.0" encoding="utf-8"?>
+<p:sld xmlns:a="http://schemas.openxmlformats.org/drawingml/2006/main" xmlns:r="http://schemas.openxmlformats.org/officeDocument/2006/relationships" xmlns:p="http://schemas.openxmlformats.org/presentationml/2006/main">
+  <p:cSld>
+    <p:spTree>
+      <p:nvGrpSpPr>
+        <p:cNvPr id="1" name=""/>
+        <p:cNvGrpSpPr/>
+        <p:nvPr/>
+      </p:nvGrpSpPr>
+      <p:grpSpPr>
+        <a:xfrm>
+          <a:off x="0" y="0"/>
+          <a:ext cx="0" cy="0"/>
+          <a:chOff x="0" y="0"/>
+          <a:chExt cx="0" cy="0"/>
+        </a:xfrm>
+      </p:grpSpPr>
+      <p:sp>
+        <p:nvSpPr>
+          <p:cNvPr id="2" name="Content Placeholder 1"/>
+          <p:cNvSpPr>
+            <a:spLocks noGrp="1"/>
+          </p:cNvSpPr>
+          <p:nvPr>
+            <p:ph idx="1"/>
+          </p:nvPr>
+        </p:nvSpPr>
+        <p:spPr/>
+        <p:txBody>
+          <a:bodyPr/>
+          <a:lstStyle/>
+          <a:p>
+            <a:r>
+              <a:rPr lang="en-IE" dirty="0" smtClean="0"/>
+              <a:t>Scrum methodology.</a:t>
+            </a:r>
+          </a:p>
+          <a:p>
+            <a:r>
+              <a:rPr lang="en-IE" dirty="0" smtClean="0"/>
+              <a:t>Blender </a:t>
+            </a:r>
+            <a:r>
+              <a:rPr lang="en-IE" dirty="0" smtClean="0"/>
+              <a:t>will be used for the 3d modelling</a:t>
+            </a:r>
+            <a:r>
+              <a:rPr lang="en-IE" dirty="0" smtClean="0"/>
+              <a:t>. Designing the player and enemy tanks.</a:t>
+            </a:r>
+            <a:endParaRPr lang="en-IE" dirty="0" smtClean="0"/>
+          </a:p>
+          <a:p>
+            <a:r>
+              <a:rPr lang="en-IE" dirty="0" smtClean="0"/>
+              <a:t>Coding will be delegated between each team member to maximise output.</a:t>
+            </a:r>
+            <a:endParaRPr lang="en-IE" dirty="0"/>
+          </a:p>
+        </p:txBody>
+      </p:sp>
+      <p:sp>
+        <p:nvSpPr>
+          <p:cNvPr id="3" name="Title 2"/>
+          <p:cNvSpPr>
+            <a:spLocks noGrp="1"/>
+          </p:cNvSpPr>
+          <p:nvPr>
+            <p:ph type="title"/>
+          </p:nvPr>
+        </p:nvSpPr>
+        <p:spPr/>
+        <p:txBody>
+          <a:bodyPr/>
+          <a:lstStyle/>
+          <a:p>
+            <a:r>
+              <a:rPr lang="en-IE" dirty="0" smtClean="0"/>
+              <a:t>Development method</a:t>
+            </a:r>
+            <a:endParaRPr lang="en-IE" dirty="0"/>
+          </a:p>
+        </p:txBody>
+      </p:sp>
+    </p:spTree>
+    <p:extLst>
+      <p:ext uri="{BB962C8B-B14F-4D97-AF65-F5344CB8AC3E}">
+        <p14:creationId xmlns:p14="http://schemas.microsoft.com/office/powerpoint/2010/main" val="490592762"/>
+      </p:ext>
+    </p:extLst>
+  </p:cSld>
+  <p:clrMapOvr>
+    <a:masterClrMapping/>
+  </p:clrMapOvr>
+  <p:timing>
+    <p:tnLst>
+      <p:par>
+        <p:cTn id="1" dur="indefinite" restart="never" nodeType="tmRoot"/>
+      </p:par>
+    </p:tnLst>
+  </p:timing>
+</p:sld>
+</file>
+
+<file path=ppt/slides/slide9.xml><?xml version="1.0" encoding="utf-8"?>
+<p:sld xmlns:a="http://schemas.openxmlformats.org/drawingml/2006/main" xmlns:r="http://schemas.openxmlformats.org/officeDocument/2006/relationships" xmlns:p="http://schemas.openxmlformats.org/presentationml/2006/main">
+  <p:cSld>
+    <p:spTree>
+      <p:nvGrpSpPr>
+        <p:cNvPr id="1" name=""/>
+        <p:cNvGrpSpPr/>
+        <p:nvPr/>
+      </p:nvGrpSpPr>
+      <p:grpSpPr>
+        <a:xfrm>
+          <a:off x="0" y="0"/>
+          <a:ext cx="0" cy="0"/>
+          <a:chOff x="0" y="0"/>
+          <a:chExt cx="0" cy="0"/>
+        </a:xfrm>
+      </p:grpSpPr>
+      <p:sp>
+        <p:nvSpPr>
+          <p:cNvPr id="2" name="Content Placeholder 1"/>
+          <p:cNvSpPr>
+            <a:spLocks noGrp="1"/>
+          </p:cNvSpPr>
+          <p:nvPr>
+            <p:ph idx="1"/>
+          </p:nvPr>
+        </p:nvSpPr>
+        <p:spPr/>
+        <p:txBody>
+          <a:bodyPr/>
+          <a:lstStyle/>
+          <a:p>
             <a:r>
               <a:rPr lang="en-IE" dirty="0" smtClean="0"/>
               <a:t>Player shooting interaction</a:t>
@@ -5450,7 +7122,11 @@
           <a:bodyPr/>
           <a:lstStyle/>
           <a:p>
-            <a:endParaRPr lang="en-IE"/>
+            <a:r>
+              <a:rPr lang="en-IE" dirty="0" smtClean="0"/>
+              <a:t>Sequence diagram</a:t>
+            </a:r>
+            <a:endParaRPr lang="en-IE" dirty="0"/>
           </a:p>
         </p:txBody>
       </p:sp>
@@ -5463,7 +7139,7 @@
           <p:nvPr/>
         </p:nvPicPr>
         <p:blipFill>
-          <a:blip r:embed="rId2">
+          <a:blip r:embed="rId3">
             <a:extLst>
               <a:ext uri="{28A0092B-C50C-407E-A947-70E740481C1C}">
                 <a14:useLocalDpi xmlns:a14="http://schemas.microsoft.com/office/drawing/2010/main" val="0"/>
@@ -5505,6 +7181,13 @@
   <p:clrMapOvr>
     <a:masterClrMapping/>
   </p:clrMapOvr>
+  <p:timing>
+    <p:tnLst>
+      <p:par>
+        <p:cTn id="1" dur="indefinite" restart="never" nodeType="tmRoot"/>
+      </p:par>
+    </p:tnLst>
+  </p:timing>
 </p:sld>
 </file>
 
@@ -5770,4 +7453,289 @@
   <a:objectDefaults/>
   <a:extraClrSchemeLst/>
 </a:theme>
+</file>
+
+<file path=ppt/theme/theme2.xml><?xml version="1.0" encoding="utf-8"?>
+<a:theme xmlns:a="http://schemas.openxmlformats.org/drawingml/2006/main" name="Office Theme">
+  <a:themeElements>
+    <a:clrScheme name="Office">
+      <a:dk1>
+        <a:sysClr val="windowText" lastClr="000000"/>
+      </a:dk1>
+      <a:lt1>
+        <a:sysClr val="window" lastClr="FFFFFF"/>
+      </a:lt1>
+      <a:dk2>
+        <a:srgbClr val="1F497D"/>
+      </a:dk2>
+      <a:lt2>
+        <a:srgbClr val="EEECE1"/>
+      </a:lt2>
+      <a:accent1>
+        <a:srgbClr val="4F81BD"/>
+      </a:accent1>
+      <a:accent2>
+        <a:srgbClr val="C0504D"/>
+      </a:accent2>
+      <a:accent3>
+        <a:srgbClr val="9BBB59"/>
+      </a:accent3>
+      <a:accent4>
+        <a:srgbClr val="8064A2"/>
+      </a:accent4>
+      <a:accent5>
+        <a:srgbClr val="4BACC6"/>
+      </a:accent5>
+      <a:accent6>
+        <a:srgbClr val="F79646"/>
+      </a:accent6>
+      <a:hlink>
+        <a:srgbClr val="0000FF"/>
+      </a:hlink>
+      <a:folHlink>
+        <a:srgbClr val="800080"/>
+      </a:folHlink>
+    </a:clrScheme>
+    <a:fontScheme name="Office">
+      <a:majorFont>
+        <a:latin typeface="Calibri"/>
+        <a:ea typeface=""/>
+        <a:cs typeface=""/>
+        <a:font script="Jpan" typeface="ＭＳ Ｐゴシック"/>
+        <a:font script="Hang" typeface="맑은 고딕"/>
+        <a:font script="Hans" typeface="宋体"/>
+        <a:font script="Hant" typeface="新細明體"/>
+        <a:font script="Arab" typeface="Times New Roman"/>
+        <a:font script="Hebr" typeface="Times New Roman"/>
+        <a:font script="Thai" typeface="Angsana New"/>
+        <a:font script="Ethi" typeface="Nyala"/>
+        <a:font script="Beng" typeface="Vrinda"/>
+        <a:font script="Gujr" typeface="Shruti"/>
+        <a:font script="Khmr" typeface="MoolBoran"/>
+        <a:font script="Knda" typeface="Tunga"/>
+        <a:font script="Guru" typeface="Raavi"/>
+        <a:font script="Cans" typeface="Euphemia"/>
+        <a:font script="Cher" typeface="Plantagenet Cherokee"/>
+        <a:font script="Yiii" typeface="Microsoft Yi Baiti"/>
+        <a:font script="Tibt" typeface="Microsoft Himalaya"/>
+        <a:font script="Thaa" typeface="MV Boli"/>
+        <a:font script="Deva" typeface="Mangal"/>
+        <a:font script="Telu" typeface="Gautami"/>
+        <a:font script="Taml" typeface="Latha"/>
+        <a:font script="Syrc" typeface="Estrangelo Edessa"/>
+        <a:font script="Orya" typeface="Kalinga"/>
+        <a:font script="Mlym" typeface="Kartika"/>
+        <a:font script="Laoo" typeface="DokChampa"/>
+        <a:font script="Sinh" typeface="Iskoola Pota"/>
+        <a:font script="Mong" typeface="Mongolian Baiti"/>
+        <a:font script="Viet" typeface="Times New Roman"/>
+        <a:font script="Uigh" typeface="Microsoft Uighur"/>
+        <a:font script="Geor" typeface="Sylfaen"/>
+      </a:majorFont>
+      <a:minorFont>
+        <a:latin typeface="Calibri"/>
+        <a:ea typeface=""/>
+        <a:cs typeface=""/>
+        <a:font script="Jpan" typeface="ＭＳ Ｐゴシック"/>
+        <a:font script="Hang" typeface="맑은 고딕"/>
+        <a:font script="Hans" typeface="宋体"/>
+        <a:font script="Hant" typeface="新細明體"/>
+        <a:font script="Arab" typeface="Arial"/>
+        <a:font script="Hebr" typeface="Arial"/>
+        <a:font script="Thai" typeface="Cordia New"/>
+        <a:font script="Ethi" typeface="Nyala"/>
+        <a:font script="Beng" typeface="Vrinda"/>
+        <a:font script="Gujr" typeface="Shruti"/>
+        <a:font script="Khmr" typeface="DaunPenh"/>
+        <a:font script="Knda" typeface="Tunga"/>
+        <a:font script="Guru" typeface="Raavi"/>
+        <a:font script="Cans" typeface="Euphemia"/>
+        <a:font script="Cher" typeface="Plantagenet Cherokee"/>
+        <a:font script="Yiii" typeface="Microsoft Yi Baiti"/>
+        <a:font script="Tibt" typeface="Microsoft Himalaya"/>
+        <a:font script="Thaa" typeface="MV Boli"/>
+        <a:font script="Deva" typeface="Mangal"/>
+        <a:font script="Telu" typeface="Gautami"/>
+        <a:font script="Taml" typeface="Latha"/>
+        <a:font script="Syrc" typeface="Estrangelo Edessa"/>
+        <a:font script="Orya" typeface="Kalinga"/>
+        <a:font script="Mlym" typeface="Kartika"/>
+        <a:font script="Laoo" typeface="DokChampa"/>
+        <a:font script="Sinh" typeface="Iskoola Pota"/>
+        <a:font script="Mong" typeface="Mongolian Baiti"/>
+        <a:font script="Viet" typeface="Arial"/>
+        <a:font script="Uigh" typeface="Microsoft Uighur"/>
+        <a:font script="Geor" typeface="Sylfaen"/>
+      </a:minorFont>
+    </a:fontScheme>
+    <a:fmtScheme name="Office">
+      <a:fillStyleLst>
+        <a:solidFill>
+          <a:schemeClr val="phClr"/>
+        </a:solidFill>
+        <a:gradFill rotWithShape="1">
+          <a:gsLst>
+            <a:gs pos="0">
+              <a:schemeClr val="phClr">
+                <a:tint val="50000"/>
+                <a:satMod val="300000"/>
+              </a:schemeClr>
+            </a:gs>
+            <a:gs pos="35000">
+              <a:schemeClr val="phClr">
+                <a:tint val="37000"/>
+                <a:satMod val="300000"/>
+              </a:schemeClr>
+            </a:gs>
+            <a:gs pos="100000">
+              <a:schemeClr val="phClr">
+                <a:tint val="15000"/>
+                <a:satMod val="350000"/>
+              </a:schemeClr>
+            </a:gs>
+          </a:gsLst>
+          <a:lin ang="16200000" scaled="1"/>
+        </a:gradFill>
+        <a:gradFill rotWithShape="1">
+          <a:gsLst>
+            <a:gs pos="0">
+              <a:schemeClr val="phClr">
+                <a:shade val="51000"/>
+                <a:satMod val="130000"/>
+              </a:schemeClr>
+            </a:gs>
+            <a:gs pos="80000">
+              <a:schemeClr val="phClr">
+                <a:shade val="93000"/>
+                <a:satMod val="130000"/>
+              </a:schemeClr>
+            </a:gs>
+            <a:gs pos="100000">
+              <a:schemeClr val="phClr">
+                <a:shade val="94000"/>
+                <a:satMod val="135000"/>
+              </a:schemeClr>
+            </a:gs>
+          </a:gsLst>
+          <a:lin ang="16200000" scaled="0"/>
+        </a:gradFill>
+      </a:fillStyleLst>
+      <a:lnStyleLst>
+        <a:ln w="9525" cap="flat" cmpd="sng" algn="ctr">
+          <a:solidFill>
+            <a:schemeClr val="phClr">
+              <a:shade val="95000"/>
+              <a:satMod val="105000"/>
+            </a:schemeClr>
+          </a:solidFill>
+          <a:prstDash val="solid"/>
+        </a:ln>
+        <a:ln w="25400" cap="flat" cmpd="sng" algn="ctr">
+          <a:solidFill>
+            <a:schemeClr val="phClr"/>
+          </a:solidFill>
+          <a:prstDash val="solid"/>
+        </a:ln>
+        <a:ln w="38100" cap="flat" cmpd="sng" algn="ctr">
+          <a:solidFill>
+            <a:schemeClr val="phClr"/>
+          </a:solidFill>
+          <a:prstDash val="solid"/>
+        </a:ln>
+      </a:lnStyleLst>
+      <a:effectStyleLst>
+        <a:effectStyle>
+          <a:effectLst>
+            <a:outerShdw blurRad="40000" dist="20000" dir="5400000" rotWithShape="0">
+              <a:srgbClr val="000000">
+                <a:alpha val="38000"/>
+              </a:srgbClr>
+            </a:outerShdw>
+          </a:effectLst>
+        </a:effectStyle>
+        <a:effectStyle>
+          <a:effectLst>
+            <a:outerShdw blurRad="40000" dist="23000" dir="5400000" rotWithShape="0">
+              <a:srgbClr val="000000">
+                <a:alpha val="35000"/>
+              </a:srgbClr>
+            </a:outerShdw>
+          </a:effectLst>
+        </a:effectStyle>
+        <a:effectStyle>
+          <a:effectLst>
+            <a:outerShdw blurRad="40000" dist="23000" dir="5400000" rotWithShape="0">
+              <a:srgbClr val="000000">
+                <a:alpha val="35000"/>
+              </a:srgbClr>
+            </a:outerShdw>
+          </a:effectLst>
+          <a:scene3d>
+            <a:camera prst="orthographicFront">
+              <a:rot lat="0" lon="0" rev="0"/>
+            </a:camera>
+            <a:lightRig rig="threePt" dir="t">
+              <a:rot lat="0" lon="0" rev="1200000"/>
+            </a:lightRig>
+          </a:scene3d>
+          <a:sp3d>
+            <a:bevelT w="63500" h="25400"/>
+          </a:sp3d>
+        </a:effectStyle>
+      </a:effectStyleLst>
+      <a:bgFillStyleLst>
+        <a:solidFill>
+          <a:schemeClr val="phClr"/>
+        </a:solidFill>
+        <a:gradFill rotWithShape="1">
+          <a:gsLst>
+            <a:gs pos="0">
+              <a:schemeClr val="phClr">
+                <a:tint val="40000"/>
+                <a:satMod val="350000"/>
+              </a:schemeClr>
+            </a:gs>
+            <a:gs pos="40000">
+              <a:schemeClr val="phClr">
+                <a:tint val="45000"/>
+                <a:shade val="99000"/>
+                <a:satMod val="350000"/>
+              </a:schemeClr>
+            </a:gs>
+            <a:gs pos="100000">
+              <a:schemeClr val="phClr">
+                <a:shade val="20000"/>
+                <a:satMod val="255000"/>
+              </a:schemeClr>
+            </a:gs>
+          </a:gsLst>
+          <a:path path="circle">
+            <a:fillToRect l="50000" t="-80000" r="50000" b="180000"/>
+          </a:path>
+        </a:gradFill>
+        <a:gradFill rotWithShape="1">
+          <a:gsLst>
+            <a:gs pos="0">
+              <a:schemeClr val="phClr">
+                <a:tint val="80000"/>
+                <a:satMod val="300000"/>
+              </a:schemeClr>
+            </a:gs>
+            <a:gs pos="100000">
+              <a:schemeClr val="phClr">
+                <a:shade val="30000"/>
+                <a:satMod val="200000"/>
+              </a:schemeClr>
+            </a:gs>
+          </a:gsLst>
+          <a:path path="circle">
+            <a:fillToRect l="50000" t="50000" r="50000" b="50000"/>
+          </a:path>
+        </a:gradFill>
+      </a:bgFillStyleLst>
+    </a:fmtScheme>
+  </a:themeElements>
+  <a:objectDefaults/>
+  <a:extraClrSchemeLst/>
+</a:theme>
 </file>